--- a/Java Basics/UI Basics 5.pptx
+++ b/Java Basics/UI Basics 5.pptx
@@ -4,8 +4,26 @@
   <p:sldMasterIdLst>
     <p:sldMasterId id="2147483648" r:id="rId1"/>
   </p:sldMasterIdLst>
+  <p:notesMasterIdLst>
+    <p:notesMasterId r:id="rId18"/>
+  </p:notesMasterIdLst>
   <p:sldIdLst>
     <p:sldId id="256" r:id="rId2"/>
+    <p:sldId id="258" r:id="rId3"/>
+    <p:sldId id="259" r:id="rId4"/>
+    <p:sldId id="260" r:id="rId5"/>
+    <p:sldId id="261" r:id="rId6"/>
+    <p:sldId id="262" r:id="rId7"/>
+    <p:sldId id="263" r:id="rId8"/>
+    <p:sldId id="264" r:id="rId9"/>
+    <p:sldId id="265" r:id="rId10"/>
+    <p:sldId id="266" r:id="rId11"/>
+    <p:sldId id="267" r:id="rId12"/>
+    <p:sldId id="268" r:id="rId13"/>
+    <p:sldId id="269" r:id="rId14"/>
+    <p:sldId id="270" r:id="rId15"/>
+    <p:sldId id="271" r:id="rId16"/>
+    <p:sldId id="272" r:id="rId17"/>
   </p:sldIdLst>
   <p:sldSz cx="12192000" cy="6858000"/>
   <p:notesSz cx="6858000" cy="9144000"/>
@@ -105,6 +123,442 @@
     </a:lvl9pPr>
   </p:defaultTextStyle>
 </p:presentation>
+</file>
+
+<file path=ppt/notesMasters/notesMaster1.xml><?xml version="1.0" encoding="utf-8"?>
+<p:notesMaster xmlns:a="http://schemas.openxmlformats.org/drawingml/2006/main" xmlns:r="http://schemas.openxmlformats.org/officeDocument/2006/relationships" xmlns:p="http://schemas.openxmlformats.org/presentationml/2006/main">
+  <p:cSld>
+    <p:bg>
+      <p:bgRef idx="1001">
+        <a:schemeClr val="bg1"/>
+      </p:bgRef>
+    </p:bg>
+    <p:spTree>
+      <p:nvGrpSpPr>
+        <p:cNvPr id="1" name=""/>
+        <p:cNvGrpSpPr/>
+        <p:nvPr/>
+      </p:nvGrpSpPr>
+      <p:grpSpPr>
+        <a:xfrm>
+          <a:off x="0" y="0"/>
+          <a:ext cx="0" cy="0"/>
+          <a:chOff x="0" y="0"/>
+          <a:chExt cx="0" cy="0"/>
+        </a:xfrm>
+      </p:grpSpPr>
+      <p:sp>
+        <p:nvSpPr>
+          <p:cNvPr id="2" name="页眉占位符 1"/>
+          <p:cNvSpPr>
+            <a:spLocks noGrp="1"/>
+          </p:cNvSpPr>
+          <p:nvPr>
+            <p:ph type="hdr" sz="quarter"/>
+          </p:nvPr>
+        </p:nvSpPr>
+        <p:spPr>
+          <a:xfrm>
+            <a:off x="0" y="0"/>
+            <a:ext cx="2971800" cy="458788"/>
+          </a:xfrm>
+          <a:prstGeom prst="rect">
+            <a:avLst/>
+          </a:prstGeom>
+        </p:spPr>
+        <p:txBody>
+          <a:bodyPr vert="horz" lIns="91440" tIns="45720" rIns="91440" bIns="45720" rtlCol="0"/>
+          <a:lstStyle>
+            <a:lvl1pPr algn="l">
+              <a:defRPr sz="1200"/>
+            </a:lvl1pPr>
+          </a:lstStyle>
+          <a:p>
+            <a:endParaRPr kumimoji="1" lang="zh-CN" altLang="en-US"/>
+          </a:p>
+        </p:txBody>
+      </p:sp>
+      <p:sp>
+        <p:nvSpPr>
+          <p:cNvPr id="3" name="日期占位符 2"/>
+          <p:cNvSpPr>
+            <a:spLocks noGrp="1"/>
+          </p:cNvSpPr>
+          <p:nvPr>
+            <p:ph type="dt" idx="1"/>
+          </p:nvPr>
+        </p:nvSpPr>
+        <p:spPr>
+          <a:xfrm>
+            <a:off x="3884613" y="0"/>
+            <a:ext cx="2971800" cy="458788"/>
+          </a:xfrm>
+          <a:prstGeom prst="rect">
+            <a:avLst/>
+          </a:prstGeom>
+        </p:spPr>
+        <p:txBody>
+          <a:bodyPr vert="horz" lIns="91440" tIns="45720" rIns="91440" bIns="45720" rtlCol="0"/>
+          <a:lstStyle>
+            <a:lvl1pPr algn="r">
+              <a:defRPr sz="1200"/>
+            </a:lvl1pPr>
+          </a:lstStyle>
+          <a:p>
+            <a:fld id="{20B42F3D-7FC3-AD4C-B462-93B0369E6070}" type="datetimeFigureOut">
+              <a:rPr kumimoji="1" lang="zh-CN" altLang="en-US" smtClean="0"/>
+              <a:t>2023/3/16</a:t>
+            </a:fld>
+            <a:endParaRPr kumimoji="1" lang="zh-CN" altLang="en-US"/>
+          </a:p>
+        </p:txBody>
+      </p:sp>
+      <p:sp>
+        <p:nvSpPr>
+          <p:cNvPr id="4" name="幻灯片图像占位符 3"/>
+          <p:cNvSpPr>
+            <a:spLocks noGrp="1" noRot="1" noChangeAspect="1"/>
+          </p:cNvSpPr>
+          <p:nvPr>
+            <p:ph type="sldImg" idx="2"/>
+          </p:nvPr>
+        </p:nvSpPr>
+        <p:spPr>
+          <a:xfrm>
+            <a:off x="685800" y="1143000"/>
+            <a:ext cx="5486400" cy="3086100"/>
+          </a:xfrm>
+          <a:prstGeom prst="rect">
+            <a:avLst/>
+          </a:prstGeom>
+          <a:noFill/>
+          <a:ln w="12700">
+            <a:solidFill>
+              <a:prstClr val="black"/>
+            </a:solidFill>
+          </a:ln>
+        </p:spPr>
+        <p:txBody>
+          <a:bodyPr vert="horz" lIns="91440" tIns="45720" rIns="91440" bIns="45720" rtlCol="0" anchor="ctr"/>
+          <a:lstStyle/>
+          <a:p>
+            <a:endParaRPr lang="zh-CN" altLang="en-US"/>
+          </a:p>
+        </p:txBody>
+      </p:sp>
+      <p:sp>
+        <p:nvSpPr>
+          <p:cNvPr id="5" name="备注占位符 4"/>
+          <p:cNvSpPr>
+            <a:spLocks noGrp="1"/>
+          </p:cNvSpPr>
+          <p:nvPr>
+            <p:ph type="body" sz="quarter" idx="3"/>
+          </p:nvPr>
+        </p:nvSpPr>
+        <p:spPr>
+          <a:xfrm>
+            <a:off x="685800" y="4400550"/>
+            <a:ext cx="5486400" cy="3600450"/>
+          </a:xfrm>
+          <a:prstGeom prst="rect">
+            <a:avLst/>
+          </a:prstGeom>
+        </p:spPr>
+        <p:txBody>
+          <a:bodyPr vert="horz" lIns="91440" tIns="45720" rIns="91440" bIns="45720" rtlCol="0"/>
+          <a:lstStyle/>
+          <a:p>
+            <a:pPr lvl="0"/>
+            <a:r>
+              <a:rPr kumimoji="1" lang="zh-CN" altLang="en-US"/>
+              <a:t>单击此处编辑母版文本样式</a:t>
+            </a:r>
+          </a:p>
+          <a:p>
+            <a:pPr lvl="1"/>
+            <a:r>
+              <a:rPr kumimoji="1" lang="zh-CN" altLang="en-US"/>
+              <a:t>二级</a:t>
+            </a:r>
+          </a:p>
+          <a:p>
+            <a:pPr lvl="2"/>
+            <a:r>
+              <a:rPr kumimoji="1" lang="zh-CN" altLang="en-US"/>
+              <a:t>三级</a:t>
+            </a:r>
+          </a:p>
+          <a:p>
+            <a:pPr lvl="3"/>
+            <a:r>
+              <a:rPr kumimoji="1" lang="zh-CN" altLang="en-US"/>
+              <a:t>四级</a:t>
+            </a:r>
+          </a:p>
+          <a:p>
+            <a:pPr lvl="4"/>
+            <a:r>
+              <a:rPr kumimoji="1" lang="zh-CN" altLang="en-US"/>
+              <a:t>五级</a:t>
+            </a:r>
+          </a:p>
+        </p:txBody>
+      </p:sp>
+      <p:sp>
+        <p:nvSpPr>
+          <p:cNvPr id="6" name="页脚占位符 5"/>
+          <p:cNvSpPr>
+            <a:spLocks noGrp="1"/>
+          </p:cNvSpPr>
+          <p:nvPr>
+            <p:ph type="ftr" sz="quarter" idx="4"/>
+          </p:nvPr>
+        </p:nvSpPr>
+        <p:spPr>
+          <a:xfrm>
+            <a:off x="0" y="8685213"/>
+            <a:ext cx="2971800" cy="458787"/>
+          </a:xfrm>
+          <a:prstGeom prst="rect">
+            <a:avLst/>
+          </a:prstGeom>
+        </p:spPr>
+        <p:txBody>
+          <a:bodyPr vert="horz" lIns="91440" tIns="45720" rIns="91440" bIns="45720" rtlCol="0" anchor="b"/>
+          <a:lstStyle>
+            <a:lvl1pPr algn="l">
+              <a:defRPr sz="1200"/>
+            </a:lvl1pPr>
+          </a:lstStyle>
+          <a:p>
+            <a:endParaRPr kumimoji="1" lang="zh-CN" altLang="en-US"/>
+          </a:p>
+        </p:txBody>
+      </p:sp>
+      <p:sp>
+        <p:nvSpPr>
+          <p:cNvPr id="7" name="灯片编号占位符 6"/>
+          <p:cNvSpPr>
+            <a:spLocks noGrp="1"/>
+          </p:cNvSpPr>
+          <p:nvPr>
+            <p:ph type="sldNum" sz="quarter" idx="5"/>
+          </p:nvPr>
+        </p:nvSpPr>
+        <p:spPr>
+          <a:xfrm>
+            <a:off x="3884613" y="8685213"/>
+            <a:ext cx="2971800" cy="458787"/>
+          </a:xfrm>
+          <a:prstGeom prst="rect">
+            <a:avLst/>
+          </a:prstGeom>
+        </p:spPr>
+        <p:txBody>
+          <a:bodyPr vert="horz" lIns="91440" tIns="45720" rIns="91440" bIns="45720" rtlCol="0" anchor="b"/>
+          <a:lstStyle>
+            <a:lvl1pPr algn="r">
+              <a:defRPr sz="1200"/>
+            </a:lvl1pPr>
+          </a:lstStyle>
+          <a:p>
+            <a:fld id="{1A38856B-0715-934F-A379-848941FBBC2F}" type="slidenum">
+              <a:rPr kumimoji="1" lang="zh-CN" altLang="en-US" smtClean="0"/>
+              <a:t>‹#›</a:t>
+            </a:fld>
+            <a:endParaRPr kumimoji="1" lang="zh-CN" altLang="en-US"/>
+          </a:p>
+        </p:txBody>
+      </p:sp>
+    </p:spTree>
+    <p:extLst>
+      <p:ext uri="{BB962C8B-B14F-4D97-AF65-F5344CB8AC3E}">
+        <p14:creationId xmlns:p14="http://schemas.microsoft.com/office/powerpoint/2010/main" val="748003421"/>
+      </p:ext>
+    </p:extLst>
+  </p:cSld>
+  <p:clrMap bg1="lt1" tx1="dk1" bg2="lt2" tx2="dk2" accent1="accent1" accent2="accent2" accent3="accent3" accent4="accent4" accent5="accent5" accent6="accent6" hlink="hlink" folHlink="folHlink"/>
+  <p:notesStyle>
+    <a:lvl1pPr marL="0" algn="l" defTabSz="914400" rtl="0" eaLnBrk="1" latinLnBrk="0" hangingPunct="1">
+      <a:defRPr sz="1200" kern="1200">
+        <a:solidFill>
+          <a:schemeClr val="tx1"/>
+        </a:solidFill>
+        <a:latin typeface="+mn-lt"/>
+        <a:ea typeface="+mn-ea"/>
+        <a:cs typeface="+mn-cs"/>
+      </a:defRPr>
+    </a:lvl1pPr>
+    <a:lvl2pPr marL="457200" algn="l" defTabSz="914400" rtl="0" eaLnBrk="1" latinLnBrk="0" hangingPunct="1">
+      <a:defRPr sz="1200" kern="1200">
+        <a:solidFill>
+          <a:schemeClr val="tx1"/>
+        </a:solidFill>
+        <a:latin typeface="+mn-lt"/>
+        <a:ea typeface="+mn-ea"/>
+        <a:cs typeface="+mn-cs"/>
+      </a:defRPr>
+    </a:lvl2pPr>
+    <a:lvl3pPr marL="914400" algn="l" defTabSz="914400" rtl="0" eaLnBrk="1" latinLnBrk="0" hangingPunct="1">
+      <a:defRPr sz="1200" kern="1200">
+        <a:solidFill>
+          <a:schemeClr val="tx1"/>
+        </a:solidFill>
+        <a:latin typeface="+mn-lt"/>
+        <a:ea typeface="+mn-ea"/>
+        <a:cs typeface="+mn-cs"/>
+      </a:defRPr>
+    </a:lvl3pPr>
+    <a:lvl4pPr marL="1371600" algn="l" defTabSz="914400" rtl="0" eaLnBrk="1" latinLnBrk="0" hangingPunct="1">
+      <a:defRPr sz="1200" kern="1200">
+        <a:solidFill>
+          <a:schemeClr val="tx1"/>
+        </a:solidFill>
+        <a:latin typeface="+mn-lt"/>
+        <a:ea typeface="+mn-ea"/>
+        <a:cs typeface="+mn-cs"/>
+      </a:defRPr>
+    </a:lvl4pPr>
+    <a:lvl5pPr marL="1828800" algn="l" defTabSz="914400" rtl="0" eaLnBrk="1" latinLnBrk="0" hangingPunct="1">
+      <a:defRPr sz="1200" kern="1200">
+        <a:solidFill>
+          <a:schemeClr val="tx1"/>
+        </a:solidFill>
+        <a:latin typeface="+mn-lt"/>
+        <a:ea typeface="+mn-ea"/>
+        <a:cs typeface="+mn-cs"/>
+      </a:defRPr>
+    </a:lvl5pPr>
+    <a:lvl6pPr marL="2286000" algn="l" defTabSz="914400" rtl="0" eaLnBrk="1" latinLnBrk="0" hangingPunct="1">
+      <a:defRPr sz="1200" kern="1200">
+        <a:solidFill>
+          <a:schemeClr val="tx1"/>
+        </a:solidFill>
+        <a:latin typeface="+mn-lt"/>
+        <a:ea typeface="+mn-ea"/>
+        <a:cs typeface="+mn-cs"/>
+      </a:defRPr>
+    </a:lvl6pPr>
+    <a:lvl7pPr marL="2743200" algn="l" defTabSz="914400" rtl="0" eaLnBrk="1" latinLnBrk="0" hangingPunct="1">
+      <a:defRPr sz="1200" kern="1200">
+        <a:solidFill>
+          <a:schemeClr val="tx1"/>
+        </a:solidFill>
+        <a:latin typeface="+mn-lt"/>
+        <a:ea typeface="+mn-ea"/>
+        <a:cs typeface="+mn-cs"/>
+      </a:defRPr>
+    </a:lvl7pPr>
+    <a:lvl8pPr marL="3200400" algn="l" defTabSz="914400" rtl="0" eaLnBrk="1" latinLnBrk="0" hangingPunct="1">
+      <a:defRPr sz="1200" kern="1200">
+        <a:solidFill>
+          <a:schemeClr val="tx1"/>
+        </a:solidFill>
+        <a:latin typeface="+mn-lt"/>
+        <a:ea typeface="+mn-ea"/>
+        <a:cs typeface="+mn-cs"/>
+      </a:defRPr>
+    </a:lvl8pPr>
+    <a:lvl9pPr marL="3657600" algn="l" defTabSz="914400" rtl="0" eaLnBrk="1" latinLnBrk="0" hangingPunct="1">
+      <a:defRPr sz="1200" kern="1200">
+        <a:solidFill>
+          <a:schemeClr val="tx1"/>
+        </a:solidFill>
+        <a:latin typeface="+mn-lt"/>
+        <a:ea typeface="+mn-ea"/>
+        <a:cs typeface="+mn-cs"/>
+      </a:defRPr>
+    </a:lvl9pPr>
+  </p:notesStyle>
+</p:notesMaster>
+</file>
+
+<file path=ppt/notesSlides/notesSlide1.xml><?xml version="1.0" encoding="utf-8"?>
+<p:notes xmlns:a="http://schemas.openxmlformats.org/drawingml/2006/main" xmlns:r="http://schemas.openxmlformats.org/officeDocument/2006/relationships" xmlns:p="http://schemas.openxmlformats.org/presentationml/2006/main">
+  <p:cSld>
+    <p:spTree>
+      <p:nvGrpSpPr>
+        <p:cNvPr id="1" name=""/>
+        <p:cNvGrpSpPr/>
+        <p:nvPr/>
+      </p:nvGrpSpPr>
+      <p:grpSpPr>
+        <a:xfrm>
+          <a:off x="0" y="0"/>
+          <a:ext cx="0" cy="0"/>
+          <a:chOff x="0" y="0"/>
+          <a:chExt cx="0" cy="0"/>
+        </a:xfrm>
+      </p:grpSpPr>
+      <p:sp>
+        <p:nvSpPr>
+          <p:cNvPr id="2" name="幻灯片图像占位符 1"/>
+          <p:cNvSpPr>
+            <a:spLocks noGrp="1" noRot="1" noChangeAspect="1"/>
+          </p:cNvSpPr>
+          <p:nvPr>
+            <p:ph type="sldImg"/>
+          </p:nvPr>
+        </p:nvSpPr>
+        <p:spPr/>
+      </p:sp>
+      <p:sp>
+        <p:nvSpPr>
+          <p:cNvPr id="3" name="备注占位符 2"/>
+          <p:cNvSpPr>
+            <a:spLocks noGrp="1"/>
+          </p:cNvSpPr>
+          <p:nvPr>
+            <p:ph type="body" idx="1"/>
+          </p:nvPr>
+        </p:nvSpPr>
+        <p:spPr/>
+        <p:txBody>
+          <a:bodyPr/>
+          <a:lstStyle/>
+          <a:p>
+            <a:endParaRPr kumimoji="1" lang="en-US" altLang="zh-CN" dirty="0"/>
+          </a:p>
+          <a:p>
+            <a:endParaRPr kumimoji="1" lang="zh-CN" altLang="en-US" dirty="0"/>
+          </a:p>
+        </p:txBody>
+      </p:sp>
+      <p:sp>
+        <p:nvSpPr>
+          <p:cNvPr id="4" name="灯片编号占位符 3"/>
+          <p:cNvSpPr>
+            <a:spLocks noGrp="1"/>
+          </p:cNvSpPr>
+          <p:nvPr>
+            <p:ph type="sldNum" sz="quarter" idx="5"/>
+          </p:nvPr>
+        </p:nvSpPr>
+        <p:spPr/>
+        <p:txBody>
+          <a:bodyPr/>
+          <a:lstStyle/>
+          <a:p>
+            <a:fld id="{1A38856B-0715-934F-A379-848941FBBC2F}" type="slidenum">
+              <a:rPr kumimoji="1" lang="zh-CN" altLang="en-US" smtClean="0"/>
+              <a:t>5</a:t>
+            </a:fld>
+            <a:endParaRPr kumimoji="1" lang="zh-CN" altLang="en-US"/>
+          </a:p>
+        </p:txBody>
+      </p:sp>
+    </p:spTree>
+    <p:extLst>
+      <p:ext uri="{BB962C8B-B14F-4D97-AF65-F5344CB8AC3E}">
+        <p14:creationId xmlns:p14="http://schemas.microsoft.com/office/powerpoint/2010/main" val="566932688"/>
+      </p:ext>
+    </p:extLst>
+  </p:cSld>
+  <p:clrMapOvr>
+    <a:masterClrMapping/>
+  </p:clrMapOvr>
+</p:notes>
 </file>
 
 <file path=ppt/slideLayouts/slideLayout1.xml><?xml version="1.0" encoding="utf-8"?>
@@ -3392,6 +3846,1610 @@
 </p:sld>
 </file>
 
+<file path=ppt/slides/slide10.xml><?xml version="1.0" encoding="utf-8"?>
+<p:sld xmlns:a="http://schemas.openxmlformats.org/drawingml/2006/main" xmlns:r="http://schemas.openxmlformats.org/officeDocument/2006/relationships" xmlns:p="http://schemas.openxmlformats.org/presentationml/2006/main">
+  <p:cSld>
+    <p:spTree>
+      <p:nvGrpSpPr>
+        <p:cNvPr id="1" name=""/>
+        <p:cNvGrpSpPr/>
+        <p:nvPr/>
+      </p:nvGrpSpPr>
+      <p:grpSpPr>
+        <a:xfrm>
+          <a:off x="0" y="0"/>
+          <a:ext cx="0" cy="0"/>
+          <a:chOff x="0" y="0"/>
+          <a:chExt cx="0" cy="0"/>
+        </a:xfrm>
+      </p:grpSpPr>
+      <p:sp>
+        <p:nvSpPr>
+          <p:cNvPr id="2" name="标题 1">
+            <a:extLst>
+              <a:ext uri="{FF2B5EF4-FFF2-40B4-BE49-F238E27FC236}">
+                <a16:creationId xmlns:a16="http://schemas.microsoft.com/office/drawing/2014/main" id="{C7D6A2EA-CD0F-E344-BD80-744828F75F82}"/>
+              </a:ext>
+            </a:extLst>
+          </p:cNvPr>
+          <p:cNvSpPr>
+            <a:spLocks noGrp="1"/>
+          </p:cNvSpPr>
+          <p:nvPr>
+            <p:ph type="title"/>
+          </p:nvPr>
+        </p:nvSpPr>
+        <p:spPr/>
+        <p:txBody>
+          <a:bodyPr>
+            <a:normAutofit/>
+          </a:bodyPr>
+          <a:lstStyle/>
+          <a:p>
+            <a:r>
+              <a:rPr kumimoji="1" lang="en" altLang="zh-CN" dirty="0"/>
+              <a:t>How to specify optional properties in TypeScript?</a:t>
+            </a:r>
+            <a:endParaRPr kumimoji="1" lang="zh-CN" altLang="en-US" dirty="0"/>
+          </a:p>
+        </p:txBody>
+      </p:sp>
+      <p:pic>
+        <p:nvPicPr>
+          <p:cNvPr id="4" name="内容占位符 3">
+            <a:extLst>
+              <a:ext uri="{FF2B5EF4-FFF2-40B4-BE49-F238E27FC236}">
+                <a16:creationId xmlns:a16="http://schemas.microsoft.com/office/drawing/2014/main" id="{44A3EB8A-6F91-4A41-B36B-9C2214D74A50}"/>
+              </a:ext>
+            </a:extLst>
+          </p:cNvPr>
+          <p:cNvPicPr>
+            <a:picLocks noGrp="1" noChangeAspect="1"/>
+          </p:cNvPicPr>
+          <p:nvPr>
+            <p:ph idx="1"/>
+          </p:nvPr>
+        </p:nvPicPr>
+        <p:blipFill>
+          <a:blip r:embed="rId2"/>
+          <a:stretch>
+            <a:fillRect/>
+          </a:stretch>
+        </p:blipFill>
+        <p:spPr>
+          <a:xfrm>
+            <a:off x="838200" y="2364014"/>
+            <a:ext cx="10515600" cy="3274559"/>
+          </a:xfrm>
+          <a:prstGeom prst="rect">
+            <a:avLst/>
+          </a:prstGeom>
+        </p:spPr>
+      </p:pic>
+    </p:spTree>
+    <p:extLst>
+      <p:ext uri="{BB962C8B-B14F-4D97-AF65-F5344CB8AC3E}">
+        <p14:creationId xmlns:p14="http://schemas.microsoft.com/office/powerpoint/2010/main" val="3255242592"/>
+      </p:ext>
+    </p:extLst>
+  </p:cSld>
+  <p:clrMapOvr>
+    <a:masterClrMapping/>
+  </p:clrMapOvr>
+</p:sld>
+</file>
+
+<file path=ppt/slides/slide11.xml><?xml version="1.0" encoding="utf-8"?>
+<p:sld xmlns:a="http://schemas.openxmlformats.org/drawingml/2006/main" xmlns:r="http://schemas.openxmlformats.org/officeDocument/2006/relationships" xmlns:p="http://schemas.openxmlformats.org/presentationml/2006/main">
+  <p:cSld>
+    <p:spTree>
+      <p:nvGrpSpPr>
+        <p:cNvPr id="1" name=""/>
+        <p:cNvGrpSpPr/>
+        <p:nvPr/>
+      </p:nvGrpSpPr>
+      <p:grpSpPr>
+        <a:xfrm>
+          <a:off x="0" y="0"/>
+          <a:ext cx="0" cy="0"/>
+          <a:chOff x="0" y="0"/>
+          <a:chExt cx="0" cy="0"/>
+        </a:xfrm>
+      </p:grpSpPr>
+      <p:sp>
+        <p:nvSpPr>
+          <p:cNvPr id="2" name="标题 1">
+            <a:extLst>
+              <a:ext uri="{FF2B5EF4-FFF2-40B4-BE49-F238E27FC236}">
+                <a16:creationId xmlns:a16="http://schemas.microsoft.com/office/drawing/2014/main" id="{E37DFA7C-F737-E042-B184-B898FFF242A3}"/>
+              </a:ext>
+            </a:extLst>
+          </p:cNvPr>
+          <p:cNvSpPr>
+            <a:spLocks noGrp="1"/>
+          </p:cNvSpPr>
+          <p:nvPr>
+            <p:ph type="title"/>
+          </p:nvPr>
+        </p:nvSpPr>
+        <p:spPr/>
+        <p:txBody>
+          <a:bodyPr>
+            <a:normAutofit/>
+          </a:bodyPr>
+          <a:lstStyle/>
+          <a:p>
+            <a:r>
+              <a:rPr kumimoji="1" lang="en" altLang="zh-CN" dirty="0"/>
+              <a:t>Explain the concept of null and its use in TypeScript.</a:t>
+            </a:r>
+            <a:endParaRPr kumimoji="1" lang="zh-CN" altLang="en-US" dirty="0"/>
+          </a:p>
+        </p:txBody>
+      </p:sp>
+      <p:sp>
+        <p:nvSpPr>
+          <p:cNvPr id="3" name="内容占位符 2">
+            <a:extLst>
+              <a:ext uri="{FF2B5EF4-FFF2-40B4-BE49-F238E27FC236}">
+                <a16:creationId xmlns:a16="http://schemas.microsoft.com/office/drawing/2014/main" id="{FF0D90AF-4731-C746-BB71-A84B18F3AA5C}"/>
+              </a:ext>
+            </a:extLst>
+          </p:cNvPr>
+          <p:cNvSpPr>
+            <a:spLocks noGrp="1"/>
+          </p:cNvSpPr>
+          <p:nvPr>
+            <p:ph idx="1"/>
+          </p:nvPr>
+        </p:nvSpPr>
+        <p:spPr/>
+        <p:txBody>
+          <a:bodyPr/>
+          <a:lstStyle/>
+          <a:p>
+            <a:r>
+              <a:rPr lang="en" altLang="zh-CN" b="0" i="0" dirty="0">
+                <a:solidFill>
+                  <a:srgbClr val="000000"/>
+                </a:solidFill>
+                <a:effectLst/>
+                <a:latin typeface="Nunito" pitchFamily="2" charset="0"/>
+              </a:rPr>
+              <a:t>In TypeScript, ‘</a:t>
+            </a:r>
+            <a:r>
+              <a:rPr lang="en" altLang="zh-CN" b="0" i="1" dirty="0">
+                <a:solidFill>
+                  <a:srgbClr val="000000"/>
+                </a:solidFill>
+                <a:effectLst/>
+                <a:latin typeface="Nunito" pitchFamily="2" charset="0"/>
+              </a:rPr>
+              <a:t>null</a:t>
+            </a:r>
+            <a:r>
+              <a:rPr lang="en" altLang="zh-CN" b="0" i="0" dirty="0">
+                <a:solidFill>
+                  <a:srgbClr val="000000"/>
+                </a:solidFill>
+                <a:effectLst/>
+                <a:latin typeface="Nunito" pitchFamily="2" charset="0"/>
+              </a:rPr>
+              <a:t>’ refers to the data type or value. The </a:t>
+            </a:r>
+            <a:r>
+              <a:rPr lang="en" altLang="zh-CN" b="0" i="1" dirty="0">
+                <a:solidFill>
+                  <a:srgbClr val="000000"/>
+                </a:solidFill>
+                <a:effectLst/>
+                <a:latin typeface="Nunito" pitchFamily="2" charset="0"/>
+              </a:rPr>
+              <a:t>null</a:t>
+            </a:r>
+            <a:r>
+              <a:rPr lang="en" altLang="zh-CN" b="0" i="0" dirty="0">
+                <a:solidFill>
+                  <a:srgbClr val="000000"/>
+                </a:solidFill>
+                <a:effectLst/>
+                <a:latin typeface="Nunito" pitchFamily="2" charset="0"/>
+              </a:rPr>
+              <a:t> is a keyword in TypeScript, which we can use to represent the absent or empty value. So, we can use ‘</a:t>
+            </a:r>
+            <a:r>
+              <a:rPr lang="en" altLang="zh-CN" b="0" i="1" dirty="0">
+                <a:solidFill>
+                  <a:srgbClr val="000000"/>
+                </a:solidFill>
+                <a:effectLst/>
+                <a:latin typeface="Nunito" pitchFamily="2" charset="0"/>
+              </a:rPr>
+              <a:t>null</a:t>
+            </a:r>
+            <a:r>
+              <a:rPr lang="en" altLang="zh-CN" b="0" i="0" dirty="0">
+                <a:solidFill>
+                  <a:srgbClr val="000000"/>
+                </a:solidFill>
+                <a:effectLst/>
+                <a:latin typeface="Nunito" pitchFamily="2" charset="0"/>
+              </a:rPr>
+              <a:t>’ to define the variable's data-type or initialize the variable.</a:t>
+            </a:r>
+            <a:endParaRPr kumimoji="1" lang="zh-CN" altLang="en-US" dirty="0"/>
+          </a:p>
+        </p:txBody>
+      </p:sp>
+    </p:spTree>
+    <p:extLst>
+      <p:ext uri="{BB962C8B-B14F-4D97-AF65-F5344CB8AC3E}">
+        <p14:creationId xmlns:p14="http://schemas.microsoft.com/office/powerpoint/2010/main" val="353942900"/>
+      </p:ext>
+    </p:extLst>
+  </p:cSld>
+  <p:clrMapOvr>
+    <a:masterClrMapping/>
+  </p:clrMapOvr>
+</p:sld>
+</file>
+
+<file path=ppt/slides/slide12.xml><?xml version="1.0" encoding="utf-8"?>
+<p:sld xmlns:a="http://schemas.openxmlformats.org/drawingml/2006/main" xmlns:r="http://schemas.openxmlformats.org/officeDocument/2006/relationships" xmlns:p="http://schemas.openxmlformats.org/presentationml/2006/main">
+  <p:cSld>
+    <p:spTree>
+      <p:nvGrpSpPr>
+        <p:cNvPr id="1" name=""/>
+        <p:cNvGrpSpPr/>
+        <p:nvPr/>
+      </p:nvGrpSpPr>
+      <p:grpSpPr>
+        <a:xfrm>
+          <a:off x="0" y="0"/>
+          <a:ext cx="0" cy="0"/>
+          <a:chOff x="0" y="0"/>
+          <a:chExt cx="0" cy="0"/>
+        </a:xfrm>
+      </p:grpSpPr>
+      <p:sp>
+        <p:nvSpPr>
+          <p:cNvPr id="2" name="标题 1">
+            <a:extLst>
+              <a:ext uri="{FF2B5EF4-FFF2-40B4-BE49-F238E27FC236}">
+                <a16:creationId xmlns:a16="http://schemas.microsoft.com/office/drawing/2014/main" id="{2349806A-89B1-0F4B-B100-4FF2D338B5A8}"/>
+              </a:ext>
+            </a:extLst>
+          </p:cNvPr>
+          <p:cNvSpPr>
+            <a:spLocks noGrp="1"/>
+          </p:cNvSpPr>
+          <p:nvPr>
+            <p:ph type="title"/>
+          </p:nvPr>
+        </p:nvSpPr>
+        <p:spPr/>
+        <p:txBody>
+          <a:bodyPr/>
+          <a:lstStyle/>
+          <a:p>
+            <a:r>
+              <a:rPr kumimoji="1" lang="en" altLang="zh-CN" dirty="0"/>
+              <a:t>What is undefined in TypeScript?</a:t>
+            </a:r>
+            <a:endParaRPr kumimoji="1" lang="zh-CN" altLang="en-US" dirty="0"/>
+          </a:p>
+        </p:txBody>
+      </p:sp>
+      <p:sp>
+        <p:nvSpPr>
+          <p:cNvPr id="3" name="内容占位符 2">
+            <a:extLst>
+              <a:ext uri="{FF2B5EF4-FFF2-40B4-BE49-F238E27FC236}">
+                <a16:creationId xmlns:a16="http://schemas.microsoft.com/office/drawing/2014/main" id="{A6AE24CA-0B52-0840-8DA4-C592744E7B95}"/>
+              </a:ext>
+            </a:extLst>
+          </p:cNvPr>
+          <p:cNvSpPr>
+            <a:spLocks noGrp="1"/>
+          </p:cNvSpPr>
+          <p:nvPr>
+            <p:ph idx="1"/>
+          </p:nvPr>
+        </p:nvSpPr>
+        <p:spPr/>
+        <p:txBody>
+          <a:bodyPr/>
+          <a:lstStyle/>
+          <a:p>
+            <a:endParaRPr kumimoji="1" lang="zh-CN" altLang="en-US"/>
+          </a:p>
+        </p:txBody>
+      </p:sp>
+    </p:spTree>
+    <p:extLst>
+      <p:ext uri="{BB962C8B-B14F-4D97-AF65-F5344CB8AC3E}">
+        <p14:creationId xmlns:p14="http://schemas.microsoft.com/office/powerpoint/2010/main" val="2689459064"/>
+      </p:ext>
+    </p:extLst>
+  </p:cSld>
+  <p:clrMapOvr>
+    <a:masterClrMapping/>
+  </p:clrMapOvr>
+</p:sld>
+</file>
+
+<file path=ppt/slides/slide13.xml><?xml version="1.0" encoding="utf-8"?>
+<p:sld xmlns:a="http://schemas.openxmlformats.org/drawingml/2006/main" xmlns:r="http://schemas.openxmlformats.org/officeDocument/2006/relationships" xmlns:p="http://schemas.openxmlformats.org/presentationml/2006/main">
+  <p:cSld>
+    <p:spTree>
+      <p:nvGrpSpPr>
+        <p:cNvPr id="1" name=""/>
+        <p:cNvGrpSpPr/>
+        <p:nvPr/>
+      </p:nvGrpSpPr>
+      <p:grpSpPr>
+        <a:xfrm>
+          <a:off x="0" y="0"/>
+          <a:ext cx="0" cy="0"/>
+          <a:chOff x="0" y="0"/>
+          <a:chExt cx="0" cy="0"/>
+        </a:xfrm>
+      </p:grpSpPr>
+      <p:sp>
+        <p:nvSpPr>
+          <p:cNvPr id="2" name="标题 1">
+            <a:extLst>
+              <a:ext uri="{FF2B5EF4-FFF2-40B4-BE49-F238E27FC236}">
+                <a16:creationId xmlns:a16="http://schemas.microsoft.com/office/drawing/2014/main" id="{5A574CBB-6BFC-C246-A9F3-D153CBFD6F1D}"/>
+              </a:ext>
+            </a:extLst>
+          </p:cNvPr>
+          <p:cNvSpPr>
+            <a:spLocks noGrp="1"/>
+          </p:cNvSpPr>
+          <p:nvPr>
+            <p:ph type="title"/>
+          </p:nvPr>
+        </p:nvSpPr>
+        <p:spPr/>
+        <p:txBody>
+          <a:bodyPr>
+            <a:normAutofit/>
+          </a:bodyPr>
+          <a:lstStyle/>
+          <a:p>
+            <a:r>
+              <a:rPr kumimoji="1" lang="en" altLang="zh-CN" dirty="0"/>
+              <a:t>Explain the purpose of the never type in TypeScript.</a:t>
+            </a:r>
+            <a:endParaRPr kumimoji="1" lang="zh-CN" altLang="en-US" dirty="0"/>
+          </a:p>
+        </p:txBody>
+      </p:sp>
+      <p:sp>
+        <p:nvSpPr>
+          <p:cNvPr id="3" name="内容占位符 2">
+            <a:extLst>
+              <a:ext uri="{FF2B5EF4-FFF2-40B4-BE49-F238E27FC236}">
+                <a16:creationId xmlns:a16="http://schemas.microsoft.com/office/drawing/2014/main" id="{67BCC677-087A-F246-8625-2161CA7F457C}"/>
+              </a:ext>
+            </a:extLst>
+          </p:cNvPr>
+          <p:cNvSpPr>
+            <a:spLocks noGrp="1"/>
+          </p:cNvSpPr>
+          <p:nvPr>
+            <p:ph idx="1"/>
+          </p:nvPr>
+        </p:nvSpPr>
+        <p:spPr/>
+        <p:txBody>
+          <a:bodyPr/>
+          <a:lstStyle/>
+          <a:p>
+            <a:endParaRPr kumimoji="1" lang="zh-CN" altLang="en-US"/>
+          </a:p>
+        </p:txBody>
+      </p:sp>
+    </p:spTree>
+    <p:extLst>
+      <p:ext uri="{BB962C8B-B14F-4D97-AF65-F5344CB8AC3E}">
+        <p14:creationId xmlns:p14="http://schemas.microsoft.com/office/powerpoint/2010/main" val="834332722"/>
+      </p:ext>
+    </p:extLst>
+  </p:cSld>
+  <p:clrMapOvr>
+    <a:masterClrMapping/>
+  </p:clrMapOvr>
+</p:sld>
+</file>
+
+<file path=ppt/slides/slide14.xml><?xml version="1.0" encoding="utf-8"?>
+<p:sld xmlns:a="http://schemas.openxmlformats.org/drawingml/2006/main" xmlns:r="http://schemas.openxmlformats.org/officeDocument/2006/relationships" xmlns:p="http://schemas.openxmlformats.org/presentationml/2006/main">
+  <p:cSld>
+    <p:spTree>
+      <p:nvGrpSpPr>
+        <p:cNvPr id="1" name=""/>
+        <p:cNvGrpSpPr/>
+        <p:nvPr/>
+      </p:nvGrpSpPr>
+      <p:grpSpPr>
+        <a:xfrm>
+          <a:off x="0" y="0"/>
+          <a:ext cx="0" cy="0"/>
+          <a:chOff x="0" y="0"/>
+          <a:chExt cx="0" cy="0"/>
+        </a:xfrm>
+      </p:grpSpPr>
+      <p:sp>
+        <p:nvSpPr>
+          <p:cNvPr id="2" name="标题 1">
+            <a:extLst>
+              <a:ext uri="{FF2B5EF4-FFF2-40B4-BE49-F238E27FC236}">
+                <a16:creationId xmlns:a16="http://schemas.microsoft.com/office/drawing/2014/main" id="{421AD438-EABD-634A-8F98-84611D047615}"/>
+              </a:ext>
+            </a:extLst>
+          </p:cNvPr>
+          <p:cNvSpPr>
+            <a:spLocks noGrp="1"/>
+          </p:cNvSpPr>
+          <p:nvPr>
+            <p:ph type="title"/>
+          </p:nvPr>
+        </p:nvSpPr>
+        <p:spPr/>
+        <p:txBody>
+          <a:bodyPr/>
+          <a:lstStyle/>
+          <a:p>
+            <a:r>
+              <a:rPr kumimoji="1" lang="en" altLang="zh-CN" dirty="0"/>
+              <a:t>Explain how </a:t>
+            </a:r>
+            <a:r>
+              <a:rPr kumimoji="1" lang="en" altLang="zh-CN" dirty="0" err="1"/>
+              <a:t>enums</a:t>
+            </a:r>
+            <a:r>
+              <a:rPr kumimoji="1" lang="en" altLang="zh-CN" dirty="0"/>
+              <a:t> work in TypeScript?</a:t>
+            </a:r>
+            <a:endParaRPr kumimoji="1" lang="zh-CN" altLang="en-US" dirty="0"/>
+          </a:p>
+        </p:txBody>
+      </p:sp>
+      <p:sp>
+        <p:nvSpPr>
+          <p:cNvPr id="3" name="内容占位符 2">
+            <a:extLst>
+              <a:ext uri="{FF2B5EF4-FFF2-40B4-BE49-F238E27FC236}">
+                <a16:creationId xmlns:a16="http://schemas.microsoft.com/office/drawing/2014/main" id="{86CC19A0-50DC-D242-87B4-7A0BE307AD3D}"/>
+              </a:ext>
+            </a:extLst>
+          </p:cNvPr>
+          <p:cNvSpPr>
+            <a:spLocks noGrp="1"/>
+          </p:cNvSpPr>
+          <p:nvPr>
+            <p:ph idx="1"/>
+          </p:nvPr>
+        </p:nvSpPr>
+        <p:spPr/>
+        <p:txBody>
+          <a:bodyPr/>
+          <a:lstStyle/>
+          <a:p>
+            <a:endParaRPr kumimoji="1" lang="zh-CN" altLang="en-US"/>
+          </a:p>
+        </p:txBody>
+      </p:sp>
+    </p:spTree>
+    <p:extLst>
+      <p:ext uri="{BB962C8B-B14F-4D97-AF65-F5344CB8AC3E}">
+        <p14:creationId xmlns:p14="http://schemas.microsoft.com/office/powerpoint/2010/main" val="1794227413"/>
+      </p:ext>
+    </p:extLst>
+  </p:cSld>
+  <p:clrMapOvr>
+    <a:masterClrMapping/>
+  </p:clrMapOvr>
+</p:sld>
+</file>
+
+<file path=ppt/slides/slide15.xml><?xml version="1.0" encoding="utf-8"?>
+<p:sld xmlns:a="http://schemas.openxmlformats.org/drawingml/2006/main" xmlns:r="http://schemas.openxmlformats.org/officeDocument/2006/relationships" xmlns:p="http://schemas.openxmlformats.org/presentationml/2006/main">
+  <p:cSld>
+    <p:spTree>
+      <p:nvGrpSpPr>
+        <p:cNvPr id="1" name=""/>
+        <p:cNvGrpSpPr/>
+        <p:nvPr/>
+      </p:nvGrpSpPr>
+      <p:grpSpPr>
+        <a:xfrm>
+          <a:off x="0" y="0"/>
+          <a:ext cx="0" cy="0"/>
+          <a:chOff x="0" y="0"/>
+          <a:chExt cx="0" cy="0"/>
+        </a:xfrm>
+      </p:grpSpPr>
+      <p:sp>
+        <p:nvSpPr>
+          <p:cNvPr id="2" name="标题 1">
+            <a:extLst>
+              <a:ext uri="{FF2B5EF4-FFF2-40B4-BE49-F238E27FC236}">
+                <a16:creationId xmlns:a16="http://schemas.microsoft.com/office/drawing/2014/main" id="{4ED8ED32-B270-CE46-8BF9-C007489F3F0E}"/>
+              </a:ext>
+            </a:extLst>
+          </p:cNvPr>
+          <p:cNvSpPr>
+            <a:spLocks noGrp="1"/>
+          </p:cNvSpPr>
+          <p:nvPr>
+            <p:ph type="title"/>
+          </p:nvPr>
+        </p:nvSpPr>
+        <p:spPr/>
+        <p:txBody>
+          <a:bodyPr/>
+          <a:lstStyle/>
+          <a:p>
+            <a:r>
+              <a:rPr kumimoji="1" lang="en" altLang="zh-CN" dirty="0"/>
+              <a:t>Explain the TypeScript class syntax.</a:t>
+            </a:r>
+            <a:endParaRPr kumimoji="1" lang="zh-CN" altLang="en-US" dirty="0"/>
+          </a:p>
+        </p:txBody>
+      </p:sp>
+      <p:sp>
+        <p:nvSpPr>
+          <p:cNvPr id="3" name="内容占位符 2">
+            <a:extLst>
+              <a:ext uri="{FF2B5EF4-FFF2-40B4-BE49-F238E27FC236}">
+                <a16:creationId xmlns:a16="http://schemas.microsoft.com/office/drawing/2014/main" id="{73323B93-5DE4-464B-9020-3229CE24A00D}"/>
+              </a:ext>
+            </a:extLst>
+          </p:cNvPr>
+          <p:cNvSpPr>
+            <a:spLocks noGrp="1"/>
+          </p:cNvSpPr>
+          <p:nvPr>
+            <p:ph idx="1"/>
+          </p:nvPr>
+        </p:nvSpPr>
+        <p:spPr/>
+        <p:txBody>
+          <a:bodyPr/>
+          <a:lstStyle/>
+          <a:p>
+            <a:endParaRPr kumimoji="1" lang="zh-CN" altLang="en-US"/>
+          </a:p>
+        </p:txBody>
+      </p:sp>
+    </p:spTree>
+    <p:extLst>
+      <p:ext uri="{BB962C8B-B14F-4D97-AF65-F5344CB8AC3E}">
+        <p14:creationId xmlns:p14="http://schemas.microsoft.com/office/powerpoint/2010/main" val="4264085584"/>
+      </p:ext>
+    </p:extLst>
+  </p:cSld>
+  <p:clrMapOvr>
+    <a:masterClrMapping/>
+  </p:clrMapOvr>
+</p:sld>
+</file>
+
+<file path=ppt/slides/slide16.xml><?xml version="1.0" encoding="utf-8"?>
+<p:sld xmlns:a="http://schemas.openxmlformats.org/drawingml/2006/main" xmlns:r="http://schemas.openxmlformats.org/officeDocument/2006/relationships" xmlns:p="http://schemas.openxmlformats.org/presentationml/2006/main">
+  <p:cSld>
+    <p:spTree>
+      <p:nvGrpSpPr>
+        <p:cNvPr id="1" name=""/>
+        <p:cNvGrpSpPr/>
+        <p:nvPr/>
+      </p:nvGrpSpPr>
+      <p:grpSpPr>
+        <a:xfrm>
+          <a:off x="0" y="0"/>
+          <a:ext cx="0" cy="0"/>
+          <a:chOff x="0" y="0"/>
+          <a:chExt cx="0" cy="0"/>
+        </a:xfrm>
+      </p:grpSpPr>
+      <p:sp>
+        <p:nvSpPr>
+          <p:cNvPr id="2" name="标题 1">
+            <a:extLst>
+              <a:ext uri="{FF2B5EF4-FFF2-40B4-BE49-F238E27FC236}">
+                <a16:creationId xmlns:a16="http://schemas.microsoft.com/office/drawing/2014/main" id="{2537B5CE-F9DB-5944-814D-5DE5C78EAF39}"/>
+              </a:ext>
+            </a:extLst>
+          </p:cNvPr>
+          <p:cNvSpPr>
+            <a:spLocks noGrp="1"/>
+          </p:cNvSpPr>
+          <p:nvPr>
+            <p:ph type="title"/>
+          </p:nvPr>
+        </p:nvSpPr>
+        <p:spPr/>
+        <p:txBody>
+          <a:bodyPr>
+            <a:normAutofit/>
+          </a:bodyPr>
+          <a:lstStyle/>
+          <a:p>
+            <a:r>
+              <a:rPr kumimoji="1" lang="en" altLang="zh-CN" dirty="0"/>
+              <a:t>Explain the arrow function syntax in TypeScript.</a:t>
+            </a:r>
+            <a:endParaRPr kumimoji="1" lang="zh-CN" altLang="en-US" dirty="0"/>
+          </a:p>
+        </p:txBody>
+      </p:sp>
+      <p:sp>
+        <p:nvSpPr>
+          <p:cNvPr id="3" name="内容占位符 2">
+            <a:extLst>
+              <a:ext uri="{FF2B5EF4-FFF2-40B4-BE49-F238E27FC236}">
+                <a16:creationId xmlns:a16="http://schemas.microsoft.com/office/drawing/2014/main" id="{9C2C4DF1-2235-3A48-B793-C39CD8567B75}"/>
+              </a:ext>
+            </a:extLst>
+          </p:cNvPr>
+          <p:cNvSpPr>
+            <a:spLocks noGrp="1"/>
+          </p:cNvSpPr>
+          <p:nvPr>
+            <p:ph idx="1"/>
+          </p:nvPr>
+        </p:nvSpPr>
+        <p:spPr/>
+        <p:txBody>
+          <a:bodyPr/>
+          <a:lstStyle/>
+          <a:p>
+            <a:endParaRPr kumimoji="1" lang="zh-CN" altLang="en-US"/>
+          </a:p>
+        </p:txBody>
+      </p:sp>
+    </p:spTree>
+    <p:extLst>
+      <p:ext uri="{BB962C8B-B14F-4D97-AF65-F5344CB8AC3E}">
+        <p14:creationId xmlns:p14="http://schemas.microsoft.com/office/powerpoint/2010/main" val="391444428"/>
+      </p:ext>
+    </p:extLst>
+  </p:cSld>
+  <p:clrMapOvr>
+    <a:masterClrMapping/>
+  </p:clrMapOvr>
+</p:sld>
+</file>
+
+<file path=ppt/slides/slide2.xml><?xml version="1.0" encoding="utf-8"?>
+<p:sld xmlns:a="http://schemas.openxmlformats.org/drawingml/2006/main" xmlns:r="http://schemas.openxmlformats.org/officeDocument/2006/relationships" xmlns:p="http://schemas.openxmlformats.org/presentationml/2006/main">
+  <p:cSld>
+    <p:spTree>
+      <p:nvGrpSpPr>
+        <p:cNvPr id="1" name=""/>
+        <p:cNvGrpSpPr/>
+        <p:nvPr/>
+      </p:nvGrpSpPr>
+      <p:grpSpPr>
+        <a:xfrm>
+          <a:off x="0" y="0"/>
+          <a:ext cx="0" cy="0"/>
+          <a:chOff x="0" y="0"/>
+          <a:chExt cx="0" cy="0"/>
+        </a:xfrm>
+      </p:grpSpPr>
+      <p:sp>
+        <p:nvSpPr>
+          <p:cNvPr id="2" name="标题 1">
+            <a:extLst>
+              <a:ext uri="{FF2B5EF4-FFF2-40B4-BE49-F238E27FC236}">
+                <a16:creationId xmlns:a16="http://schemas.microsoft.com/office/drawing/2014/main" id="{6A52E7D5-BEC2-5D49-A7DE-2C49FE367008}"/>
+              </a:ext>
+            </a:extLst>
+          </p:cNvPr>
+          <p:cNvSpPr>
+            <a:spLocks noGrp="1"/>
+          </p:cNvSpPr>
+          <p:nvPr>
+            <p:ph type="title"/>
+          </p:nvPr>
+        </p:nvSpPr>
+        <p:spPr/>
+        <p:txBody>
+          <a:bodyPr/>
+          <a:lstStyle/>
+          <a:p>
+            <a:r>
+              <a:rPr kumimoji="1" lang="en" altLang="zh-CN" dirty="0"/>
+              <a:t>What are the primitive types in TypeScript?</a:t>
+            </a:r>
+            <a:endParaRPr kumimoji="1" lang="zh-CN" altLang="en-US" dirty="0"/>
+          </a:p>
+        </p:txBody>
+      </p:sp>
+      <p:pic>
+        <p:nvPicPr>
+          <p:cNvPr id="4" name="内容占位符 3">
+            <a:extLst>
+              <a:ext uri="{FF2B5EF4-FFF2-40B4-BE49-F238E27FC236}">
+                <a16:creationId xmlns:a16="http://schemas.microsoft.com/office/drawing/2014/main" id="{5706B778-E142-564A-BA26-023A41520C6C}"/>
+              </a:ext>
+            </a:extLst>
+          </p:cNvPr>
+          <p:cNvPicPr>
+            <a:picLocks noGrp="1" noChangeAspect="1"/>
+          </p:cNvPicPr>
+          <p:nvPr>
+            <p:ph idx="1"/>
+          </p:nvPr>
+        </p:nvPicPr>
+        <p:blipFill>
+          <a:blip r:embed="rId2"/>
+          <a:stretch>
+            <a:fillRect/>
+          </a:stretch>
+        </p:blipFill>
+        <p:spPr>
+          <a:xfrm>
+            <a:off x="2527300" y="2858294"/>
+            <a:ext cx="7137400" cy="2286000"/>
+          </a:xfrm>
+          <a:prstGeom prst="rect">
+            <a:avLst/>
+          </a:prstGeom>
+        </p:spPr>
+      </p:pic>
+    </p:spTree>
+    <p:extLst>
+      <p:ext uri="{BB962C8B-B14F-4D97-AF65-F5344CB8AC3E}">
+        <p14:creationId xmlns:p14="http://schemas.microsoft.com/office/powerpoint/2010/main" val="2360733436"/>
+      </p:ext>
+    </p:extLst>
+  </p:cSld>
+  <p:clrMapOvr>
+    <a:masterClrMapping/>
+  </p:clrMapOvr>
+</p:sld>
+</file>
+
+<file path=ppt/slides/slide3.xml><?xml version="1.0" encoding="utf-8"?>
+<p:sld xmlns:a="http://schemas.openxmlformats.org/drawingml/2006/main" xmlns:r="http://schemas.openxmlformats.org/officeDocument/2006/relationships" xmlns:p="http://schemas.openxmlformats.org/presentationml/2006/main">
+  <p:cSld>
+    <p:spTree>
+      <p:nvGrpSpPr>
+        <p:cNvPr id="1" name=""/>
+        <p:cNvGrpSpPr/>
+        <p:nvPr/>
+      </p:nvGrpSpPr>
+      <p:grpSpPr>
+        <a:xfrm>
+          <a:off x="0" y="0"/>
+          <a:ext cx="0" cy="0"/>
+          <a:chOff x="0" y="0"/>
+          <a:chExt cx="0" cy="0"/>
+        </a:xfrm>
+      </p:grpSpPr>
+      <p:sp>
+        <p:nvSpPr>
+          <p:cNvPr id="2" name="标题 1">
+            <a:extLst>
+              <a:ext uri="{FF2B5EF4-FFF2-40B4-BE49-F238E27FC236}">
+                <a16:creationId xmlns:a16="http://schemas.microsoft.com/office/drawing/2014/main" id="{55EB20C9-0045-D846-AEAC-03F45B75EC0C}"/>
+              </a:ext>
+            </a:extLst>
+          </p:cNvPr>
+          <p:cNvSpPr>
+            <a:spLocks noGrp="1"/>
+          </p:cNvSpPr>
+          <p:nvPr>
+            <p:ph type="title"/>
+          </p:nvPr>
+        </p:nvSpPr>
+        <p:spPr/>
+        <p:txBody>
+          <a:bodyPr/>
+          <a:lstStyle/>
+          <a:p>
+            <a:r>
+              <a:rPr kumimoji="1" lang="en" altLang="zh-CN" dirty="0"/>
+              <a:t>Explain how the arrays work in TypeScript.</a:t>
+            </a:r>
+            <a:endParaRPr kumimoji="1" lang="zh-CN" altLang="en-US" dirty="0"/>
+          </a:p>
+        </p:txBody>
+      </p:sp>
+      <p:pic>
+        <p:nvPicPr>
+          <p:cNvPr id="4" name="内容占位符 3">
+            <a:extLst>
+              <a:ext uri="{FF2B5EF4-FFF2-40B4-BE49-F238E27FC236}">
+                <a16:creationId xmlns:a16="http://schemas.microsoft.com/office/drawing/2014/main" id="{3CD76585-A49F-FD42-9F5F-4B6142EA0E77}"/>
+              </a:ext>
+            </a:extLst>
+          </p:cNvPr>
+          <p:cNvPicPr>
+            <a:picLocks noGrp="1" noChangeAspect="1"/>
+          </p:cNvPicPr>
+          <p:nvPr>
+            <p:ph idx="1"/>
+          </p:nvPr>
+        </p:nvPicPr>
+        <p:blipFill>
+          <a:blip r:embed="rId2"/>
+          <a:stretch>
+            <a:fillRect/>
+          </a:stretch>
+        </p:blipFill>
+        <p:spPr>
+          <a:xfrm>
+            <a:off x="262847" y="1395294"/>
+            <a:ext cx="7689351" cy="2353702"/>
+          </a:xfrm>
+          <a:prstGeom prst="rect">
+            <a:avLst/>
+          </a:prstGeom>
+        </p:spPr>
+      </p:pic>
+      <p:pic>
+        <p:nvPicPr>
+          <p:cNvPr id="5" name="图片 4">
+            <a:extLst>
+              <a:ext uri="{FF2B5EF4-FFF2-40B4-BE49-F238E27FC236}">
+                <a16:creationId xmlns:a16="http://schemas.microsoft.com/office/drawing/2014/main" id="{33B498D1-B275-214D-8096-D6F2AC4E772E}"/>
+              </a:ext>
+            </a:extLst>
+          </p:cNvPr>
+          <p:cNvPicPr>
+            <a:picLocks noChangeAspect="1"/>
+          </p:cNvPicPr>
+          <p:nvPr/>
+        </p:nvPicPr>
+        <p:blipFill>
+          <a:blip r:embed="rId3"/>
+          <a:stretch>
+            <a:fillRect/>
+          </a:stretch>
+        </p:blipFill>
+        <p:spPr>
+          <a:xfrm>
+            <a:off x="262847" y="3748996"/>
+            <a:ext cx="8494284" cy="2066177"/>
+          </a:xfrm>
+          <a:prstGeom prst="rect">
+            <a:avLst/>
+          </a:prstGeom>
+        </p:spPr>
+      </p:pic>
+    </p:spTree>
+    <p:extLst>
+      <p:ext uri="{BB962C8B-B14F-4D97-AF65-F5344CB8AC3E}">
+        <p14:creationId xmlns:p14="http://schemas.microsoft.com/office/powerpoint/2010/main" val="3537319172"/>
+      </p:ext>
+    </p:extLst>
+  </p:cSld>
+  <p:clrMapOvr>
+    <a:masterClrMapping/>
+  </p:clrMapOvr>
+</p:sld>
+</file>
+
+<file path=ppt/slides/slide4.xml><?xml version="1.0" encoding="utf-8"?>
+<p:sld xmlns:a="http://schemas.openxmlformats.org/drawingml/2006/main" xmlns:r="http://schemas.openxmlformats.org/officeDocument/2006/relationships" xmlns:p="http://schemas.openxmlformats.org/presentationml/2006/main">
+  <p:cSld>
+    <p:spTree>
+      <p:nvGrpSpPr>
+        <p:cNvPr id="1" name=""/>
+        <p:cNvGrpSpPr/>
+        <p:nvPr/>
+      </p:nvGrpSpPr>
+      <p:grpSpPr>
+        <a:xfrm>
+          <a:off x="0" y="0"/>
+          <a:ext cx="0" cy="0"/>
+          <a:chOff x="0" y="0"/>
+          <a:chExt cx="0" cy="0"/>
+        </a:xfrm>
+      </p:grpSpPr>
+      <p:sp>
+        <p:nvSpPr>
+          <p:cNvPr id="2" name="标题 1">
+            <a:extLst>
+              <a:ext uri="{FF2B5EF4-FFF2-40B4-BE49-F238E27FC236}">
+                <a16:creationId xmlns:a16="http://schemas.microsoft.com/office/drawing/2014/main" id="{800E1DAD-A5C2-F64E-B196-B5790B3DFB34}"/>
+              </a:ext>
+            </a:extLst>
+          </p:cNvPr>
+          <p:cNvSpPr>
+            <a:spLocks noGrp="1"/>
+          </p:cNvSpPr>
+          <p:nvPr>
+            <p:ph type="title"/>
+          </p:nvPr>
+        </p:nvSpPr>
+        <p:spPr/>
+        <p:txBody>
+          <a:bodyPr/>
+          <a:lstStyle/>
+          <a:p>
+            <a:r>
+              <a:rPr kumimoji="1" lang="en" altLang="zh-CN" dirty="0"/>
+              <a:t>What is any type, and when to use it?</a:t>
+            </a:r>
+            <a:endParaRPr kumimoji="1" lang="zh-CN" altLang="en-US" dirty="0"/>
+          </a:p>
+        </p:txBody>
+      </p:sp>
+      <p:sp>
+        <p:nvSpPr>
+          <p:cNvPr id="3" name="内容占位符 2">
+            <a:extLst>
+              <a:ext uri="{FF2B5EF4-FFF2-40B4-BE49-F238E27FC236}">
+                <a16:creationId xmlns:a16="http://schemas.microsoft.com/office/drawing/2014/main" id="{01341AC0-D2C3-9849-AC34-65D5B15307D4}"/>
+              </a:ext>
+            </a:extLst>
+          </p:cNvPr>
+          <p:cNvSpPr>
+            <a:spLocks noGrp="1"/>
+          </p:cNvSpPr>
+          <p:nvPr>
+            <p:ph idx="1"/>
+          </p:nvPr>
+        </p:nvSpPr>
+        <p:spPr/>
+        <p:txBody>
+          <a:bodyPr/>
+          <a:lstStyle/>
+          <a:p>
+            <a:pPr algn="l" fontAlgn="base"/>
+            <a:r>
+              <a:rPr lang="en" altLang="zh-CN" b="0" i="0" dirty="0">
+                <a:solidFill>
+                  <a:srgbClr val="545E6F"/>
+                </a:solidFill>
+                <a:effectLst/>
+                <a:latin typeface="Geomanist"/>
+              </a:rPr>
+              <a:t>It’s a common “easy-fix” to declare types as any, and through proper understanding of the type we can make the right decisions on when to use the any type.</a:t>
+            </a:r>
+          </a:p>
+          <a:p>
+            <a:pPr algn="l" fontAlgn="base"/>
+            <a:r>
+              <a:rPr lang="en" altLang="zh-CN" b="0" i="0" dirty="0">
+                <a:solidFill>
+                  <a:srgbClr val="545E6F"/>
+                </a:solidFill>
+                <a:effectLst/>
+                <a:latin typeface="Geomanist"/>
+              </a:rPr>
+              <a:t>The any type should really be used when we don’t actually know what type is actually coming back to us. This could be, for example, through a function argument that’s part of a third-party library and it doesn’t have any type definitions, as it could have been written in plain JavaScript and not TypeScript perhaps.</a:t>
+            </a:r>
+          </a:p>
+          <a:p>
+            <a:endParaRPr kumimoji="1" lang="zh-CN" altLang="en-US" dirty="0"/>
+          </a:p>
+        </p:txBody>
+      </p:sp>
+    </p:spTree>
+    <p:extLst>
+      <p:ext uri="{BB962C8B-B14F-4D97-AF65-F5344CB8AC3E}">
+        <p14:creationId xmlns:p14="http://schemas.microsoft.com/office/powerpoint/2010/main" val="720386190"/>
+      </p:ext>
+    </p:extLst>
+  </p:cSld>
+  <p:clrMapOvr>
+    <a:masterClrMapping/>
+  </p:clrMapOvr>
+</p:sld>
+</file>
+
+<file path=ppt/slides/slide5.xml><?xml version="1.0" encoding="utf-8"?>
+<p:sld xmlns:a="http://schemas.openxmlformats.org/drawingml/2006/main" xmlns:r="http://schemas.openxmlformats.org/officeDocument/2006/relationships" xmlns:p="http://schemas.openxmlformats.org/presentationml/2006/main">
+  <p:cSld>
+    <p:spTree>
+      <p:nvGrpSpPr>
+        <p:cNvPr id="1" name=""/>
+        <p:cNvGrpSpPr/>
+        <p:nvPr/>
+      </p:nvGrpSpPr>
+      <p:grpSpPr>
+        <a:xfrm>
+          <a:off x="0" y="0"/>
+          <a:ext cx="0" cy="0"/>
+          <a:chOff x="0" y="0"/>
+          <a:chExt cx="0" cy="0"/>
+        </a:xfrm>
+      </p:grpSpPr>
+      <p:sp>
+        <p:nvSpPr>
+          <p:cNvPr id="2" name="标题 1">
+            <a:extLst>
+              <a:ext uri="{FF2B5EF4-FFF2-40B4-BE49-F238E27FC236}">
+                <a16:creationId xmlns:a16="http://schemas.microsoft.com/office/drawing/2014/main" id="{ABB5DD3A-3580-2B47-B191-AC90B7C31DBA}"/>
+              </a:ext>
+            </a:extLst>
+          </p:cNvPr>
+          <p:cNvSpPr>
+            <a:spLocks noGrp="1"/>
+          </p:cNvSpPr>
+          <p:nvPr>
+            <p:ph type="title"/>
+          </p:nvPr>
+        </p:nvSpPr>
+        <p:spPr/>
+        <p:txBody>
+          <a:bodyPr/>
+          <a:lstStyle/>
+          <a:p>
+            <a:r>
+              <a:rPr kumimoji="1" lang="en" altLang="zh-CN" dirty="0"/>
+              <a:t>What is void, and when to use the void type?</a:t>
+            </a:r>
+            <a:endParaRPr kumimoji="1" lang="zh-CN" altLang="en-US" dirty="0"/>
+          </a:p>
+        </p:txBody>
+      </p:sp>
+      <p:sp>
+        <p:nvSpPr>
+          <p:cNvPr id="3" name="内容占位符 2">
+            <a:extLst>
+              <a:ext uri="{FF2B5EF4-FFF2-40B4-BE49-F238E27FC236}">
+                <a16:creationId xmlns:a16="http://schemas.microsoft.com/office/drawing/2014/main" id="{E05CD163-B591-8149-B7FD-0C3C376BA746}"/>
+              </a:ext>
+            </a:extLst>
+          </p:cNvPr>
+          <p:cNvSpPr>
+            <a:spLocks noGrp="1"/>
+          </p:cNvSpPr>
+          <p:nvPr>
+            <p:ph idx="1"/>
+          </p:nvPr>
+        </p:nvSpPr>
+        <p:spPr/>
+        <p:txBody>
+          <a:bodyPr/>
+          <a:lstStyle/>
+          <a:p>
+            <a:r>
+              <a:rPr lang="en" altLang="zh-CN" b="0" i="0" dirty="0">
+                <a:solidFill>
+                  <a:srgbClr val="181717"/>
+                </a:solidFill>
+                <a:effectLst/>
+                <a:latin typeface="Verdana" panose="020B0604030504040204" pitchFamily="34" charset="0"/>
+              </a:rPr>
+              <a:t>Similar to languages like Java, void is used where there is no data.</a:t>
+            </a:r>
+          </a:p>
+          <a:p>
+            <a:endParaRPr kumimoji="1" lang="zh-CN" altLang="en-US" dirty="0"/>
+          </a:p>
+        </p:txBody>
+      </p:sp>
+      <p:pic>
+        <p:nvPicPr>
+          <p:cNvPr id="4" name="图片 3">
+            <a:extLst>
+              <a:ext uri="{FF2B5EF4-FFF2-40B4-BE49-F238E27FC236}">
+                <a16:creationId xmlns:a16="http://schemas.microsoft.com/office/drawing/2014/main" id="{9946EB59-A29A-6244-8506-BB12B1143756}"/>
+              </a:ext>
+            </a:extLst>
+          </p:cNvPr>
+          <p:cNvPicPr>
+            <a:picLocks noChangeAspect="1"/>
+          </p:cNvPicPr>
+          <p:nvPr/>
+        </p:nvPicPr>
+        <p:blipFill>
+          <a:blip r:embed="rId3"/>
+          <a:stretch>
+            <a:fillRect/>
+          </a:stretch>
+        </p:blipFill>
+        <p:spPr>
+          <a:xfrm>
+            <a:off x="516471" y="3357080"/>
+            <a:ext cx="10338176" cy="1625885"/>
+          </a:xfrm>
+          <a:prstGeom prst="rect">
+            <a:avLst/>
+          </a:prstGeom>
+        </p:spPr>
+      </p:pic>
+    </p:spTree>
+    <p:extLst>
+      <p:ext uri="{BB962C8B-B14F-4D97-AF65-F5344CB8AC3E}">
+        <p14:creationId xmlns:p14="http://schemas.microsoft.com/office/powerpoint/2010/main" val="116839877"/>
+      </p:ext>
+    </p:extLst>
+  </p:cSld>
+  <p:clrMapOvr>
+    <a:masterClrMapping/>
+  </p:clrMapOvr>
+</p:sld>
+</file>
+
+<file path=ppt/slides/slide6.xml><?xml version="1.0" encoding="utf-8"?>
+<p:sld xmlns:a="http://schemas.openxmlformats.org/drawingml/2006/main" xmlns:r="http://schemas.openxmlformats.org/officeDocument/2006/relationships" xmlns:p="http://schemas.openxmlformats.org/presentationml/2006/main">
+  <p:cSld>
+    <p:spTree>
+      <p:nvGrpSpPr>
+        <p:cNvPr id="1" name=""/>
+        <p:cNvGrpSpPr/>
+        <p:nvPr/>
+      </p:nvGrpSpPr>
+      <p:grpSpPr>
+        <a:xfrm>
+          <a:off x="0" y="0"/>
+          <a:ext cx="0" cy="0"/>
+          <a:chOff x="0" y="0"/>
+          <a:chExt cx="0" cy="0"/>
+        </a:xfrm>
+      </p:grpSpPr>
+      <p:sp>
+        <p:nvSpPr>
+          <p:cNvPr id="2" name="标题 1">
+            <a:extLst>
+              <a:ext uri="{FF2B5EF4-FFF2-40B4-BE49-F238E27FC236}">
+                <a16:creationId xmlns:a16="http://schemas.microsoft.com/office/drawing/2014/main" id="{6D9DD783-557C-1249-B526-4E394EE32C54}"/>
+              </a:ext>
+            </a:extLst>
+          </p:cNvPr>
+          <p:cNvSpPr>
+            <a:spLocks noGrp="1"/>
+          </p:cNvSpPr>
+          <p:nvPr>
+            <p:ph type="title"/>
+          </p:nvPr>
+        </p:nvSpPr>
+        <p:spPr/>
+        <p:txBody>
+          <a:bodyPr>
+            <a:normAutofit/>
+          </a:bodyPr>
+          <a:lstStyle/>
+          <a:p>
+            <a:r>
+              <a:rPr kumimoji="1" lang="en" altLang="zh-CN" dirty="0"/>
+              <a:t>What is an unknown type, and when to use it in TypeScript?</a:t>
+            </a:r>
+            <a:endParaRPr kumimoji="1" lang="zh-CN" altLang="en-US" dirty="0"/>
+          </a:p>
+        </p:txBody>
+      </p:sp>
+      <p:sp>
+        <p:nvSpPr>
+          <p:cNvPr id="3" name="内容占位符 2">
+            <a:extLst>
+              <a:ext uri="{FF2B5EF4-FFF2-40B4-BE49-F238E27FC236}">
+                <a16:creationId xmlns:a16="http://schemas.microsoft.com/office/drawing/2014/main" id="{6A224C49-9462-A74C-B3AE-7D9E2D87DF36}"/>
+              </a:ext>
+            </a:extLst>
+          </p:cNvPr>
+          <p:cNvSpPr>
+            <a:spLocks noGrp="1"/>
+          </p:cNvSpPr>
+          <p:nvPr>
+            <p:ph idx="1"/>
+          </p:nvPr>
+        </p:nvSpPr>
+        <p:spPr/>
+        <p:txBody>
+          <a:bodyPr>
+            <a:normAutofit lnSpcReduction="10000"/>
+          </a:bodyPr>
+          <a:lstStyle/>
+          <a:p>
+            <a:pPr algn="l"/>
+            <a:r>
+              <a:rPr lang="en" altLang="zh-CN" b="0" i="0" dirty="0">
+                <a:solidFill>
+                  <a:srgbClr val="27272A"/>
+                </a:solidFill>
+                <a:effectLst/>
+                <a:latin typeface="-apple-system"/>
+              </a:rPr>
+              <a:t>The main difference between unknown and any is that unknown is much less permissive than any: we have to do some form of checking before performing most operations on values of type unknown, whereas we don't have to do any checks before performing operations on values of type any.</a:t>
+            </a:r>
+          </a:p>
+          <a:p>
+            <a:r>
+              <a:rPr lang="en" altLang="zh-CN" b="0" i="0" dirty="0">
+                <a:solidFill>
+                  <a:srgbClr val="27272A"/>
+                </a:solidFill>
+                <a:effectLst/>
+                <a:latin typeface="-apple-system"/>
+              </a:rPr>
+              <a:t>The </a:t>
+            </a:r>
+            <a:r>
+              <a:rPr lang="en" altLang="zh-CN" dirty="0"/>
+              <a:t>unknown</a:t>
+            </a:r>
+            <a:r>
+              <a:rPr lang="en" altLang="zh-CN" b="0" i="0" dirty="0">
+                <a:solidFill>
+                  <a:srgbClr val="27272A"/>
+                </a:solidFill>
+                <a:effectLst/>
+                <a:latin typeface="-apple-system"/>
+              </a:rPr>
+              <a:t> type is only assignable to the </a:t>
+            </a:r>
+            <a:r>
+              <a:rPr lang="en" altLang="zh-CN" dirty="0"/>
+              <a:t>any</a:t>
+            </a:r>
+            <a:r>
+              <a:rPr lang="en" altLang="zh-CN" b="0" i="0" dirty="0">
+                <a:solidFill>
+                  <a:srgbClr val="27272A"/>
+                </a:solidFill>
+                <a:effectLst/>
+                <a:latin typeface="-apple-system"/>
+              </a:rPr>
+              <a:t> type and the </a:t>
+            </a:r>
+            <a:r>
+              <a:rPr lang="en" altLang="zh-CN" dirty="0"/>
+              <a:t>unknown</a:t>
+            </a:r>
+            <a:r>
+              <a:rPr lang="en" altLang="zh-CN" b="0" i="0" dirty="0">
+                <a:solidFill>
+                  <a:srgbClr val="27272A"/>
+                </a:solidFill>
+                <a:effectLst/>
+                <a:latin typeface="-apple-system"/>
+              </a:rPr>
+              <a:t> type itself. Intuitively, this makes sense: only a container that is capable of holding values of arbitrary types can hold a value of type </a:t>
+            </a:r>
+            <a:r>
+              <a:rPr lang="en" altLang="zh-CN" dirty="0"/>
+              <a:t>unknown</a:t>
+            </a:r>
+            <a:r>
+              <a:rPr lang="en" altLang="zh-CN" b="0" i="0" dirty="0">
+                <a:solidFill>
+                  <a:srgbClr val="27272A"/>
+                </a:solidFill>
+                <a:effectLst/>
+                <a:latin typeface="-apple-system"/>
+              </a:rPr>
+              <a:t>; after all, we don't know anything about what kind of value is stored in </a:t>
+            </a:r>
+            <a:r>
+              <a:rPr lang="en" altLang="zh-CN" dirty="0"/>
+              <a:t>value</a:t>
+            </a:r>
+            <a:r>
+              <a:rPr lang="en" altLang="zh-CN" b="0" i="0" dirty="0">
+                <a:solidFill>
+                  <a:srgbClr val="27272A"/>
+                </a:solidFill>
+                <a:effectLst/>
+                <a:latin typeface="-apple-system"/>
+              </a:rPr>
+              <a:t>.</a:t>
+            </a:r>
+            <a:br>
+              <a:rPr lang="en" altLang="zh-CN" dirty="0"/>
+            </a:br>
+            <a:endParaRPr kumimoji="1" lang="zh-CN" altLang="en-US" dirty="0"/>
+          </a:p>
+        </p:txBody>
+      </p:sp>
+    </p:spTree>
+    <p:extLst>
+      <p:ext uri="{BB962C8B-B14F-4D97-AF65-F5344CB8AC3E}">
+        <p14:creationId xmlns:p14="http://schemas.microsoft.com/office/powerpoint/2010/main" val="1390657584"/>
+      </p:ext>
+    </p:extLst>
+  </p:cSld>
+  <p:clrMapOvr>
+    <a:masterClrMapping/>
+  </p:clrMapOvr>
+</p:sld>
+</file>
+
+<file path=ppt/slides/slide7.xml><?xml version="1.0" encoding="utf-8"?>
+<p:sld xmlns:a="http://schemas.openxmlformats.org/drawingml/2006/main" xmlns:r="http://schemas.openxmlformats.org/officeDocument/2006/relationships" xmlns:p="http://schemas.openxmlformats.org/presentationml/2006/main">
+  <p:cSld>
+    <p:spTree>
+      <p:nvGrpSpPr>
+        <p:cNvPr id="1" name=""/>
+        <p:cNvGrpSpPr/>
+        <p:nvPr/>
+      </p:nvGrpSpPr>
+      <p:grpSpPr>
+        <a:xfrm>
+          <a:off x="0" y="0"/>
+          <a:ext cx="0" cy="0"/>
+          <a:chOff x="0" y="0"/>
+          <a:chExt cx="0" cy="0"/>
+        </a:xfrm>
+      </p:grpSpPr>
+      <p:sp>
+        <p:nvSpPr>
+          <p:cNvPr id="2" name="标题 1">
+            <a:extLst>
+              <a:ext uri="{FF2B5EF4-FFF2-40B4-BE49-F238E27FC236}">
+                <a16:creationId xmlns:a16="http://schemas.microsoft.com/office/drawing/2014/main" id="{8AD8A25D-FCEE-2E44-8551-9F261B5EE9CA}"/>
+              </a:ext>
+            </a:extLst>
+          </p:cNvPr>
+          <p:cNvSpPr>
+            <a:spLocks noGrp="1"/>
+          </p:cNvSpPr>
+          <p:nvPr>
+            <p:ph type="title"/>
+          </p:nvPr>
+        </p:nvSpPr>
+        <p:spPr/>
+        <p:txBody>
+          <a:bodyPr>
+            <a:normAutofit/>
+          </a:bodyPr>
+          <a:lstStyle/>
+          <a:p>
+            <a:r>
+              <a:rPr kumimoji="1" lang="en" altLang="zh-CN" dirty="0"/>
+              <a:t>What are the different keywords to declare variables in TypeScript?</a:t>
+            </a:r>
+            <a:endParaRPr kumimoji="1" lang="zh-CN" altLang="en-US" dirty="0"/>
+          </a:p>
+        </p:txBody>
+      </p:sp>
+      <p:sp>
+        <p:nvSpPr>
+          <p:cNvPr id="3" name="内容占位符 2">
+            <a:extLst>
+              <a:ext uri="{FF2B5EF4-FFF2-40B4-BE49-F238E27FC236}">
+                <a16:creationId xmlns:a16="http://schemas.microsoft.com/office/drawing/2014/main" id="{00E96CEB-6F35-FC43-A82C-E1895F13D6A0}"/>
+              </a:ext>
+            </a:extLst>
+          </p:cNvPr>
+          <p:cNvSpPr>
+            <a:spLocks noGrp="1"/>
+          </p:cNvSpPr>
+          <p:nvPr>
+            <p:ph idx="1"/>
+          </p:nvPr>
+        </p:nvSpPr>
+        <p:spPr/>
+        <p:txBody>
+          <a:bodyPr/>
+          <a:lstStyle/>
+          <a:p>
+            <a:r>
+              <a:rPr lang="en" altLang="zh-CN" b="0" i="0" dirty="0">
+                <a:effectLst/>
+                <a:latin typeface="Google Sans"/>
+              </a:rPr>
+              <a:t>In TypeScript, an extension of </a:t>
+            </a:r>
+            <a:r>
+              <a:rPr lang="en" altLang="zh-CN" b="0" i="0" dirty="0" err="1">
+                <a:effectLst/>
+                <a:latin typeface="Google Sans"/>
+              </a:rPr>
+              <a:t>Javascript</a:t>
+            </a:r>
+            <a:r>
+              <a:rPr lang="en" altLang="zh-CN" b="0" i="0" dirty="0">
+                <a:effectLst/>
+                <a:latin typeface="Google Sans"/>
+              </a:rPr>
+              <a:t>, there are three different keywords to define variables: var , let , and const .</a:t>
+            </a:r>
+            <a:endParaRPr kumimoji="1" lang="zh-CN" altLang="en-US" dirty="0"/>
+          </a:p>
+        </p:txBody>
+      </p:sp>
+    </p:spTree>
+    <p:extLst>
+      <p:ext uri="{BB962C8B-B14F-4D97-AF65-F5344CB8AC3E}">
+        <p14:creationId xmlns:p14="http://schemas.microsoft.com/office/powerpoint/2010/main" val="2683728370"/>
+      </p:ext>
+    </p:extLst>
+  </p:cSld>
+  <p:clrMapOvr>
+    <a:masterClrMapping/>
+  </p:clrMapOvr>
+</p:sld>
+</file>
+
+<file path=ppt/slides/slide8.xml><?xml version="1.0" encoding="utf-8"?>
+<p:sld xmlns:a="http://schemas.openxmlformats.org/drawingml/2006/main" xmlns:r="http://schemas.openxmlformats.org/officeDocument/2006/relationships" xmlns:p="http://schemas.openxmlformats.org/presentationml/2006/main">
+  <p:cSld>
+    <p:spTree>
+      <p:nvGrpSpPr>
+        <p:cNvPr id="1" name=""/>
+        <p:cNvGrpSpPr/>
+        <p:nvPr/>
+      </p:nvGrpSpPr>
+      <p:grpSpPr>
+        <a:xfrm>
+          <a:off x="0" y="0"/>
+          <a:ext cx="0" cy="0"/>
+          <a:chOff x="0" y="0"/>
+          <a:chExt cx="0" cy="0"/>
+        </a:xfrm>
+      </p:grpSpPr>
+      <p:sp>
+        <p:nvSpPr>
+          <p:cNvPr id="2" name="标题 1">
+            <a:extLst>
+              <a:ext uri="{FF2B5EF4-FFF2-40B4-BE49-F238E27FC236}">
+                <a16:creationId xmlns:a16="http://schemas.microsoft.com/office/drawing/2014/main" id="{501FBE6C-2BA1-BE4D-A592-ED3C7A045914}"/>
+              </a:ext>
+            </a:extLst>
+          </p:cNvPr>
+          <p:cNvSpPr>
+            <a:spLocks noGrp="1"/>
+          </p:cNvSpPr>
+          <p:nvPr>
+            <p:ph type="title"/>
+          </p:nvPr>
+        </p:nvSpPr>
+        <p:spPr/>
+        <p:txBody>
+          <a:bodyPr>
+            <a:normAutofit/>
+          </a:bodyPr>
+          <a:lstStyle/>
+          <a:p>
+            <a:r>
+              <a:rPr kumimoji="1" lang="en" altLang="zh-CN" dirty="0"/>
+              <a:t>Provide the syntax of a function with the type annotations.</a:t>
+            </a:r>
+            <a:endParaRPr kumimoji="1" lang="zh-CN" altLang="en-US" dirty="0"/>
+          </a:p>
+        </p:txBody>
+      </p:sp>
+      <p:pic>
+        <p:nvPicPr>
+          <p:cNvPr id="4" name="内容占位符 3">
+            <a:extLst>
+              <a:ext uri="{FF2B5EF4-FFF2-40B4-BE49-F238E27FC236}">
+                <a16:creationId xmlns:a16="http://schemas.microsoft.com/office/drawing/2014/main" id="{2FCA7021-5ADD-C04E-AD99-FAC0315349BF}"/>
+              </a:ext>
+            </a:extLst>
+          </p:cNvPr>
+          <p:cNvPicPr>
+            <a:picLocks noGrp="1" noChangeAspect="1"/>
+          </p:cNvPicPr>
+          <p:nvPr>
+            <p:ph idx="1"/>
+          </p:nvPr>
+        </p:nvPicPr>
+        <p:blipFill>
+          <a:blip r:embed="rId2"/>
+          <a:stretch>
+            <a:fillRect/>
+          </a:stretch>
+        </p:blipFill>
+        <p:spPr>
+          <a:xfrm>
+            <a:off x="5078778" y="1027906"/>
+            <a:ext cx="6275022" cy="6151660"/>
+          </a:xfrm>
+          <a:prstGeom prst="rect">
+            <a:avLst/>
+          </a:prstGeom>
+        </p:spPr>
+      </p:pic>
+    </p:spTree>
+    <p:extLst>
+      <p:ext uri="{BB962C8B-B14F-4D97-AF65-F5344CB8AC3E}">
+        <p14:creationId xmlns:p14="http://schemas.microsoft.com/office/powerpoint/2010/main" val="2612250290"/>
+      </p:ext>
+    </p:extLst>
+  </p:cSld>
+  <p:clrMapOvr>
+    <a:masterClrMapping/>
+  </p:clrMapOvr>
+</p:sld>
+</file>
+
+<file path=ppt/slides/slide9.xml><?xml version="1.0" encoding="utf-8"?>
+<p:sld xmlns:a="http://schemas.openxmlformats.org/drawingml/2006/main" xmlns:r="http://schemas.openxmlformats.org/officeDocument/2006/relationships" xmlns:p="http://schemas.openxmlformats.org/presentationml/2006/main">
+  <p:cSld>
+    <p:spTree>
+      <p:nvGrpSpPr>
+        <p:cNvPr id="1" name=""/>
+        <p:cNvGrpSpPr/>
+        <p:nvPr/>
+      </p:nvGrpSpPr>
+      <p:grpSpPr>
+        <a:xfrm>
+          <a:off x="0" y="0"/>
+          <a:ext cx="0" cy="0"/>
+          <a:chOff x="0" y="0"/>
+          <a:chExt cx="0" cy="0"/>
+        </a:xfrm>
+      </p:grpSpPr>
+      <p:sp>
+        <p:nvSpPr>
+          <p:cNvPr id="2" name="标题 1">
+            <a:extLst>
+              <a:ext uri="{FF2B5EF4-FFF2-40B4-BE49-F238E27FC236}">
+                <a16:creationId xmlns:a16="http://schemas.microsoft.com/office/drawing/2014/main" id="{A6516ABF-0CB2-C340-BCA7-512A2945FE96}"/>
+              </a:ext>
+            </a:extLst>
+          </p:cNvPr>
+          <p:cNvSpPr>
+            <a:spLocks noGrp="1"/>
+          </p:cNvSpPr>
+          <p:nvPr>
+            <p:ph type="title"/>
+          </p:nvPr>
+        </p:nvSpPr>
+        <p:spPr/>
+        <p:txBody>
+          <a:bodyPr/>
+          <a:lstStyle/>
+          <a:p>
+            <a:r>
+              <a:rPr kumimoji="1" lang="en" altLang="zh-CN" dirty="0"/>
+              <a:t>How to create objects in TypeScript?</a:t>
+            </a:r>
+            <a:endParaRPr kumimoji="1" lang="zh-CN" altLang="en-US" dirty="0"/>
+          </a:p>
+        </p:txBody>
+      </p:sp>
+      <p:pic>
+        <p:nvPicPr>
+          <p:cNvPr id="4" name="内容占位符 3">
+            <a:extLst>
+              <a:ext uri="{FF2B5EF4-FFF2-40B4-BE49-F238E27FC236}">
+                <a16:creationId xmlns:a16="http://schemas.microsoft.com/office/drawing/2014/main" id="{E976AA17-C064-884E-8B75-763843FF112A}"/>
+              </a:ext>
+            </a:extLst>
+          </p:cNvPr>
+          <p:cNvPicPr>
+            <a:picLocks noGrp="1" noChangeAspect="1"/>
+          </p:cNvPicPr>
+          <p:nvPr>
+            <p:ph idx="1"/>
+          </p:nvPr>
+        </p:nvPicPr>
+        <p:blipFill>
+          <a:blip r:embed="rId2"/>
+          <a:stretch>
+            <a:fillRect/>
+          </a:stretch>
+        </p:blipFill>
+        <p:spPr>
+          <a:xfrm>
+            <a:off x="1168928" y="1825625"/>
+            <a:ext cx="9854144" cy="4351338"/>
+          </a:xfrm>
+          <a:prstGeom prst="rect">
+            <a:avLst/>
+          </a:prstGeom>
+        </p:spPr>
+      </p:pic>
+    </p:spTree>
+    <p:extLst>
+      <p:ext uri="{BB962C8B-B14F-4D97-AF65-F5344CB8AC3E}">
+        <p14:creationId xmlns:p14="http://schemas.microsoft.com/office/powerpoint/2010/main" val="2452964117"/>
+      </p:ext>
+    </p:extLst>
+  </p:cSld>
+  <p:clrMapOvr>
+    <a:masterClrMapping/>
+  </p:clrMapOvr>
+</p:sld>
+</file>
+
 <file path=ppt/theme/theme1.xml><?xml version="1.0" encoding="utf-8"?>
 <a:theme xmlns:a="http://schemas.openxmlformats.org/drawingml/2006/main" name="Office 主题​​">
   <a:themeElements>
@@ -3685,4 +5743,299 @@
     </a:ext>
   </a:extLst>
 </a:theme>
+</file>
+
+<file path=ppt/theme/theme2.xml><?xml version="1.0" encoding="utf-8"?>
+<a:theme xmlns:a="http://schemas.openxmlformats.org/drawingml/2006/main" name="Office 主题​​">
+  <a:themeElements>
+    <a:clrScheme name="Office">
+      <a:dk1>
+        <a:sysClr val="windowText" lastClr="000000"/>
+      </a:dk1>
+      <a:lt1>
+        <a:sysClr val="window" lastClr="FFFFFF"/>
+      </a:lt1>
+      <a:dk2>
+        <a:srgbClr val="44546A"/>
+      </a:dk2>
+      <a:lt2>
+        <a:srgbClr val="E7E6E6"/>
+      </a:lt2>
+      <a:accent1>
+        <a:srgbClr val="4472C4"/>
+      </a:accent1>
+      <a:accent2>
+        <a:srgbClr val="ED7D31"/>
+      </a:accent2>
+      <a:accent3>
+        <a:srgbClr val="A5A5A5"/>
+      </a:accent3>
+      <a:accent4>
+        <a:srgbClr val="FFC000"/>
+      </a:accent4>
+      <a:accent5>
+        <a:srgbClr val="5B9BD5"/>
+      </a:accent5>
+      <a:accent6>
+        <a:srgbClr val="70AD47"/>
+      </a:accent6>
+      <a:hlink>
+        <a:srgbClr val="0563C1"/>
+      </a:hlink>
+      <a:folHlink>
+        <a:srgbClr val="954F72"/>
+      </a:folHlink>
+    </a:clrScheme>
+    <a:fontScheme name="Office">
+      <a:majorFont>
+        <a:latin typeface="等线 Light" panose="020F0302020204030204"/>
+        <a:ea typeface=""/>
+        <a:cs typeface=""/>
+        <a:font script="Jpan" typeface="游ゴシック Light"/>
+        <a:font script="Hang" typeface="맑은 고딕"/>
+        <a:font script="Hans" typeface="等线 Light"/>
+        <a:font script="Hant" typeface="新細明體"/>
+        <a:font script="Arab" typeface="Times New Roman"/>
+        <a:font script="Hebr" typeface="Times New Roman"/>
+        <a:font script="Thai" typeface="Angsana New"/>
+        <a:font script="Ethi" typeface="Nyala"/>
+        <a:font script="Beng" typeface="Vrinda"/>
+        <a:font script="Gujr" typeface="Shruti"/>
+        <a:font script="Khmr" typeface="MoolBoran"/>
+        <a:font script="Knda" typeface="Tunga"/>
+        <a:font script="Guru" typeface="Raavi"/>
+        <a:font script="Cans" typeface="Euphemia"/>
+        <a:font script="Cher" typeface="Plantagenet Cherokee"/>
+        <a:font script="Yiii" typeface="Microsoft Yi Baiti"/>
+        <a:font script="Tibt" typeface="Microsoft Himalaya"/>
+        <a:font script="Thaa" typeface="MV Boli"/>
+        <a:font script="Deva" typeface="Mangal"/>
+        <a:font script="Telu" typeface="Gautami"/>
+        <a:font script="Taml" typeface="Latha"/>
+        <a:font script="Syrc" typeface="Estrangelo Edessa"/>
+        <a:font script="Orya" typeface="Kalinga"/>
+        <a:font script="Mlym" typeface="Kartika"/>
+        <a:font script="Laoo" typeface="DokChampa"/>
+        <a:font script="Sinh" typeface="Iskoola Pota"/>
+        <a:font script="Mong" typeface="Mongolian Baiti"/>
+        <a:font script="Viet" typeface="Times New Roman"/>
+        <a:font script="Uigh" typeface="Microsoft Uighur"/>
+        <a:font script="Geor" typeface="Sylfaen"/>
+        <a:font script="Armn" typeface="Arial"/>
+        <a:font script="Bugi" typeface="Leelawadee UI"/>
+        <a:font script="Bopo" typeface="Microsoft JhengHei"/>
+        <a:font script="Java" typeface="Javanese Text"/>
+        <a:font script="Lisu" typeface="Segoe UI"/>
+        <a:font script="Mymr" typeface="Myanmar Text"/>
+        <a:font script="Nkoo" typeface="Ebrima"/>
+        <a:font script="Olck" typeface="Nirmala UI"/>
+        <a:font script="Osma" typeface="Ebrima"/>
+        <a:font script="Phag" typeface="Phagspa"/>
+        <a:font script="Syrn" typeface="Estrangelo Edessa"/>
+        <a:font script="Syrj" typeface="Estrangelo Edessa"/>
+        <a:font script="Syre" typeface="Estrangelo Edessa"/>
+        <a:font script="Sora" typeface="Nirmala UI"/>
+        <a:font script="Tale" typeface="Microsoft Tai Le"/>
+        <a:font script="Talu" typeface="Microsoft New Tai Lue"/>
+        <a:font script="Tfng" typeface="Ebrima"/>
+      </a:majorFont>
+      <a:minorFont>
+        <a:latin typeface="等线" panose="020F0502020204030204"/>
+        <a:ea typeface=""/>
+        <a:cs typeface=""/>
+        <a:font script="Jpan" typeface="游ゴシック"/>
+        <a:font script="Hang" typeface="맑은 고딕"/>
+        <a:font script="Hans" typeface="等线"/>
+        <a:font script="Hant" typeface="新細明體"/>
+        <a:font script="Arab" typeface="Arial"/>
+        <a:font script="Hebr" typeface="Arial"/>
+        <a:font script="Thai" typeface="Cordia New"/>
+        <a:font script="Ethi" typeface="Nyala"/>
+        <a:font script="Beng" typeface="Vrinda"/>
+        <a:font script="Gujr" typeface="Shruti"/>
+        <a:font script="Khmr" typeface="DaunPenh"/>
+        <a:font script="Knda" typeface="Tunga"/>
+        <a:font script="Guru" typeface="Raavi"/>
+        <a:font script="Cans" typeface="Euphemia"/>
+        <a:font script="Cher" typeface="Plantagenet Cherokee"/>
+        <a:font script="Yiii" typeface="Microsoft Yi Baiti"/>
+        <a:font script="Tibt" typeface="Microsoft Himalaya"/>
+        <a:font script="Thaa" typeface="MV Boli"/>
+        <a:font script="Deva" typeface="Mangal"/>
+        <a:font script="Telu" typeface="Gautami"/>
+        <a:font script="Taml" typeface="Latha"/>
+        <a:font script="Syrc" typeface="Estrangelo Edessa"/>
+        <a:font script="Orya" typeface="Kalinga"/>
+        <a:font script="Mlym" typeface="Kartika"/>
+        <a:font script="Laoo" typeface="DokChampa"/>
+        <a:font script="Sinh" typeface="Iskoola Pota"/>
+        <a:font script="Mong" typeface="Mongolian Baiti"/>
+        <a:font script="Viet" typeface="Arial"/>
+        <a:font script="Uigh" typeface="Microsoft Uighur"/>
+        <a:font script="Geor" typeface="Sylfaen"/>
+        <a:font script="Armn" typeface="Arial"/>
+        <a:font script="Bugi" typeface="Leelawadee UI"/>
+        <a:font script="Bopo" typeface="Microsoft JhengHei"/>
+        <a:font script="Java" typeface="Javanese Text"/>
+        <a:font script="Lisu" typeface="Segoe UI"/>
+        <a:font script="Mymr" typeface="Myanmar Text"/>
+        <a:font script="Nkoo" typeface="Ebrima"/>
+        <a:font script="Olck" typeface="Nirmala UI"/>
+        <a:font script="Osma" typeface="Ebrima"/>
+        <a:font script="Phag" typeface="Phagspa"/>
+        <a:font script="Syrn" typeface="Estrangelo Edessa"/>
+        <a:font script="Syrj" typeface="Estrangelo Edessa"/>
+        <a:font script="Syre" typeface="Estrangelo Edessa"/>
+        <a:font script="Sora" typeface="Nirmala UI"/>
+        <a:font script="Tale" typeface="Microsoft Tai Le"/>
+        <a:font script="Talu" typeface="Microsoft New Tai Lue"/>
+        <a:font script="Tfng" typeface="Ebrima"/>
+      </a:minorFont>
+    </a:fontScheme>
+    <a:fmtScheme name="Office">
+      <a:fillStyleLst>
+        <a:solidFill>
+          <a:schemeClr val="phClr"/>
+        </a:solidFill>
+        <a:gradFill rotWithShape="1">
+          <a:gsLst>
+            <a:gs pos="0">
+              <a:schemeClr val="phClr">
+                <a:lumMod val="110000"/>
+                <a:satMod val="105000"/>
+                <a:tint val="67000"/>
+              </a:schemeClr>
+            </a:gs>
+            <a:gs pos="50000">
+              <a:schemeClr val="phClr">
+                <a:lumMod val="105000"/>
+                <a:satMod val="103000"/>
+                <a:tint val="73000"/>
+              </a:schemeClr>
+            </a:gs>
+            <a:gs pos="100000">
+              <a:schemeClr val="phClr">
+                <a:lumMod val="105000"/>
+                <a:satMod val="109000"/>
+                <a:tint val="81000"/>
+              </a:schemeClr>
+            </a:gs>
+          </a:gsLst>
+          <a:lin ang="5400000" scaled="0"/>
+        </a:gradFill>
+        <a:gradFill rotWithShape="1">
+          <a:gsLst>
+            <a:gs pos="0">
+              <a:schemeClr val="phClr">
+                <a:satMod val="103000"/>
+                <a:lumMod val="102000"/>
+                <a:tint val="94000"/>
+              </a:schemeClr>
+            </a:gs>
+            <a:gs pos="50000">
+              <a:schemeClr val="phClr">
+                <a:satMod val="110000"/>
+                <a:lumMod val="100000"/>
+                <a:shade val="100000"/>
+              </a:schemeClr>
+            </a:gs>
+            <a:gs pos="100000">
+              <a:schemeClr val="phClr">
+                <a:lumMod val="99000"/>
+                <a:satMod val="120000"/>
+                <a:shade val="78000"/>
+              </a:schemeClr>
+            </a:gs>
+          </a:gsLst>
+          <a:lin ang="5400000" scaled="0"/>
+        </a:gradFill>
+      </a:fillStyleLst>
+      <a:lnStyleLst>
+        <a:ln w="6350" cap="flat" cmpd="sng" algn="ctr">
+          <a:solidFill>
+            <a:schemeClr val="phClr"/>
+          </a:solidFill>
+          <a:prstDash val="solid"/>
+          <a:miter lim="800000"/>
+        </a:ln>
+        <a:ln w="12700" cap="flat" cmpd="sng" algn="ctr">
+          <a:solidFill>
+            <a:schemeClr val="phClr"/>
+          </a:solidFill>
+          <a:prstDash val="solid"/>
+          <a:miter lim="800000"/>
+        </a:ln>
+        <a:ln w="19050" cap="flat" cmpd="sng" algn="ctr">
+          <a:solidFill>
+            <a:schemeClr val="phClr"/>
+          </a:solidFill>
+          <a:prstDash val="solid"/>
+          <a:miter lim="800000"/>
+        </a:ln>
+      </a:lnStyleLst>
+      <a:effectStyleLst>
+        <a:effectStyle>
+          <a:effectLst/>
+        </a:effectStyle>
+        <a:effectStyle>
+          <a:effectLst/>
+        </a:effectStyle>
+        <a:effectStyle>
+          <a:effectLst>
+            <a:outerShdw blurRad="57150" dist="19050" dir="5400000" algn="ctr" rotWithShape="0">
+              <a:srgbClr val="000000">
+                <a:alpha val="63000"/>
+              </a:srgbClr>
+            </a:outerShdw>
+          </a:effectLst>
+        </a:effectStyle>
+      </a:effectStyleLst>
+      <a:bgFillStyleLst>
+        <a:solidFill>
+          <a:schemeClr val="phClr"/>
+        </a:solidFill>
+        <a:solidFill>
+          <a:schemeClr val="phClr">
+            <a:tint val="95000"/>
+            <a:satMod val="170000"/>
+          </a:schemeClr>
+        </a:solidFill>
+        <a:gradFill rotWithShape="1">
+          <a:gsLst>
+            <a:gs pos="0">
+              <a:schemeClr val="phClr">
+                <a:tint val="93000"/>
+                <a:satMod val="150000"/>
+                <a:shade val="98000"/>
+                <a:lumMod val="102000"/>
+              </a:schemeClr>
+            </a:gs>
+            <a:gs pos="50000">
+              <a:schemeClr val="phClr">
+                <a:tint val="98000"/>
+                <a:satMod val="130000"/>
+                <a:shade val="90000"/>
+                <a:lumMod val="103000"/>
+              </a:schemeClr>
+            </a:gs>
+            <a:gs pos="100000">
+              <a:schemeClr val="phClr">
+                <a:shade val="63000"/>
+                <a:satMod val="120000"/>
+              </a:schemeClr>
+            </a:gs>
+          </a:gsLst>
+          <a:lin ang="5400000" scaled="0"/>
+        </a:gradFill>
+      </a:bgFillStyleLst>
+    </a:fmtScheme>
+  </a:themeElements>
+  <a:objectDefaults/>
+  <a:extraClrSchemeLst/>
+  <a:extLst>
+    <a:ext uri="{05A4C25C-085E-4340-85A3-A5531E510DB2}">
+      <thm15:themeFamily xmlns:thm15="http://schemas.microsoft.com/office/thememl/2012/main" name="Office Theme" id="{62F939B6-93AF-4DB8-9C6B-D6C7DFDC589F}" vid="{4A3C46E8-61CC-4603-A589-7422A47A8E4A}"/>
+    </a:ext>
+  </a:extLst>
+</a:theme>
 </file>
--- a/Java Basics/UI Basics 5.pptx
+++ b/Java Basics/UI Basics 5.pptx
@@ -4141,31 +4141,38 @@
           </a:p>
         </p:txBody>
       </p:sp>
-      <p:sp>
-        <p:nvSpPr>
-          <p:cNvPr id="3" name="内容占位符 2">
-            <a:extLst>
-              <a:ext uri="{FF2B5EF4-FFF2-40B4-BE49-F238E27FC236}">
-                <a16:creationId xmlns:a16="http://schemas.microsoft.com/office/drawing/2014/main" id="{A6AE24CA-0B52-0840-8DA4-C592744E7B95}"/>
-              </a:ext>
-            </a:extLst>
-          </p:cNvPr>
-          <p:cNvSpPr>
-            <a:spLocks noGrp="1"/>
-          </p:cNvSpPr>
+      <p:pic>
+        <p:nvPicPr>
+          <p:cNvPr id="4" name="内容占位符 3">
+            <a:extLst>
+              <a:ext uri="{FF2B5EF4-FFF2-40B4-BE49-F238E27FC236}">
+                <a16:creationId xmlns:a16="http://schemas.microsoft.com/office/drawing/2014/main" id="{0F9E78C2-FAB6-F34E-8563-D350C264584B}"/>
+              </a:ext>
+            </a:extLst>
+          </p:cNvPr>
+          <p:cNvPicPr>
+            <a:picLocks noGrp="1" noChangeAspect="1"/>
+          </p:cNvPicPr>
           <p:nvPr>
             <p:ph idx="1"/>
           </p:nvPr>
-        </p:nvSpPr>
-        <p:spPr/>
-        <p:txBody>
-          <a:bodyPr/>
-          <a:lstStyle/>
-          <a:p>
-            <a:endParaRPr kumimoji="1" lang="zh-CN" altLang="en-US"/>
-          </a:p>
-        </p:txBody>
-      </p:sp>
+        </p:nvPicPr>
+        <p:blipFill>
+          <a:blip r:embed="rId2"/>
+          <a:stretch>
+            <a:fillRect/>
+          </a:stretch>
+        </p:blipFill>
+        <p:spPr>
+          <a:xfrm>
+            <a:off x="1700798" y="1825625"/>
+            <a:ext cx="8790404" cy="4351338"/>
+          </a:xfrm>
+          <a:prstGeom prst="rect">
+            <a:avLst/>
+          </a:prstGeom>
+        </p:spPr>
+      </p:pic>
     </p:spTree>
     <p:extLst>
       <p:ext uri="{BB962C8B-B14F-4D97-AF65-F5344CB8AC3E}">
@@ -4227,31 +4234,38 @@
           </a:p>
         </p:txBody>
       </p:sp>
-      <p:sp>
-        <p:nvSpPr>
-          <p:cNvPr id="3" name="内容占位符 2">
-            <a:extLst>
-              <a:ext uri="{FF2B5EF4-FFF2-40B4-BE49-F238E27FC236}">
-                <a16:creationId xmlns:a16="http://schemas.microsoft.com/office/drawing/2014/main" id="{67BCC677-087A-F246-8625-2161CA7F457C}"/>
-              </a:ext>
-            </a:extLst>
-          </p:cNvPr>
-          <p:cNvSpPr>
-            <a:spLocks noGrp="1"/>
-          </p:cNvSpPr>
+      <p:pic>
+        <p:nvPicPr>
+          <p:cNvPr id="4" name="内容占位符 3">
+            <a:extLst>
+              <a:ext uri="{FF2B5EF4-FFF2-40B4-BE49-F238E27FC236}">
+                <a16:creationId xmlns:a16="http://schemas.microsoft.com/office/drawing/2014/main" id="{861759BC-6D7E-CB49-8A31-6D8DEEDB0628}"/>
+              </a:ext>
+            </a:extLst>
+          </p:cNvPr>
+          <p:cNvPicPr>
+            <a:picLocks noGrp="1" noChangeAspect="1"/>
+          </p:cNvPicPr>
           <p:nvPr>
             <p:ph idx="1"/>
           </p:nvPr>
-        </p:nvSpPr>
-        <p:spPr/>
-        <p:txBody>
-          <a:bodyPr/>
-          <a:lstStyle/>
-          <a:p>
-            <a:endParaRPr kumimoji="1" lang="zh-CN" altLang="en-US"/>
-          </a:p>
-        </p:txBody>
-      </p:sp>
+        </p:nvPicPr>
+        <p:blipFill>
+          <a:blip r:embed="rId2"/>
+          <a:stretch>
+            <a:fillRect/>
+          </a:stretch>
+        </p:blipFill>
+        <p:spPr>
+          <a:xfrm>
+            <a:off x="2660360" y="1825625"/>
+            <a:ext cx="6871280" cy="4351338"/>
+          </a:xfrm>
+          <a:prstGeom prst="rect">
+            <a:avLst/>
+          </a:prstGeom>
+        </p:spPr>
+      </p:pic>
     </p:spTree>
     <p:extLst>
       <p:ext uri="{BB962C8B-B14F-4D97-AF65-F5344CB8AC3E}">
@@ -4319,31 +4333,98 @@
           </a:p>
         </p:txBody>
       </p:sp>
-      <p:sp>
-        <p:nvSpPr>
-          <p:cNvPr id="3" name="内容占位符 2">
-            <a:extLst>
-              <a:ext uri="{FF2B5EF4-FFF2-40B4-BE49-F238E27FC236}">
-                <a16:creationId xmlns:a16="http://schemas.microsoft.com/office/drawing/2014/main" id="{86CC19A0-50DC-D242-87B4-7A0BE307AD3D}"/>
-              </a:ext>
-            </a:extLst>
-          </p:cNvPr>
-          <p:cNvSpPr>
-            <a:spLocks noGrp="1"/>
-          </p:cNvSpPr>
+      <p:pic>
+        <p:nvPicPr>
+          <p:cNvPr id="4" name="内容占位符 3">
+            <a:extLst>
+              <a:ext uri="{FF2B5EF4-FFF2-40B4-BE49-F238E27FC236}">
+                <a16:creationId xmlns:a16="http://schemas.microsoft.com/office/drawing/2014/main" id="{D4F0EE06-6DF7-B446-94CE-661FE051C9B0}"/>
+              </a:ext>
+            </a:extLst>
+          </p:cNvPr>
+          <p:cNvPicPr>
+            <a:picLocks noGrp="1" noChangeAspect="1"/>
+          </p:cNvPicPr>
           <p:nvPr>
             <p:ph idx="1"/>
           </p:nvPr>
-        </p:nvSpPr>
-        <p:spPr/>
-        <p:txBody>
-          <a:bodyPr/>
-          <a:lstStyle/>
-          <a:p>
-            <a:endParaRPr kumimoji="1" lang="zh-CN" altLang="en-US"/>
-          </a:p>
-        </p:txBody>
-      </p:sp>
+        </p:nvPicPr>
+        <p:blipFill>
+          <a:blip r:embed="rId2"/>
+          <a:stretch>
+            <a:fillRect/>
+          </a:stretch>
+        </p:blipFill>
+        <p:spPr>
+          <a:xfrm>
+            <a:off x="129283" y="1341367"/>
+            <a:ext cx="7545512" cy="2613130"/>
+          </a:xfrm>
+          <a:prstGeom prst="rect">
+            <a:avLst/>
+          </a:prstGeom>
+        </p:spPr>
+      </p:pic>
+      <p:pic>
+        <p:nvPicPr>
+          <p:cNvPr id="5" name="图片 4">
+            <a:extLst>
+              <a:ext uri="{FF2B5EF4-FFF2-40B4-BE49-F238E27FC236}">
+                <a16:creationId xmlns:a16="http://schemas.microsoft.com/office/drawing/2014/main" id="{2606D5BA-A35E-FD4F-828B-7DFE38C96D42}"/>
+              </a:ext>
+            </a:extLst>
+          </p:cNvPr>
+          <p:cNvPicPr>
+            <a:picLocks noChangeAspect="1"/>
+          </p:cNvPicPr>
+          <p:nvPr/>
+        </p:nvPicPr>
+        <p:blipFill>
+          <a:blip r:embed="rId3"/>
+          <a:stretch>
+            <a:fillRect/>
+          </a:stretch>
+        </p:blipFill>
+        <p:spPr>
+          <a:xfrm>
+            <a:off x="205482" y="4318649"/>
+            <a:ext cx="7165155" cy="2395967"/>
+          </a:xfrm>
+          <a:prstGeom prst="rect">
+            <a:avLst/>
+          </a:prstGeom>
+        </p:spPr>
+      </p:pic>
+      <p:pic>
+        <p:nvPicPr>
+          <p:cNvPr id="6" name="图片 5">
+            <a:extLst>
+              <a:ext uri="{FF2B5EF4-FFF2-40B4-BE49-F238E27FC236}">
+                <a16:creationId xmlns:a16="http://schemas.microsoft.com/office/drawing/2014/main" id="{56B3FFA3-B86A-6047-9FD1-27BF0FDB0531}"/>
+              </a:ext>
+            </a:extLst>
+          </p:cNvPr>
+          <p:cNvPicPr>
+            <a:picLocks noChangeAspect="1"/>
+          </p:cNvPicPr>
+          <p:nvPr/>
+        </p:nvPicPr>
+        <p:blipFill>
+          <a:blip r:embed="rId4"/>
+          <a:stretch>
+            <a:fillRect/>
+          </a:stretch>
+        </p:blipFill>
+        <p:spPr>
+          <a:xfrm>
+            <a:off x="7674794" y="3994767"/>
+            <a:ext cx="4517205" cy="1919366"/>
+          </a:xfrm>
+          <a:prstGeom prst="rect">
+            <a:avLst/>
+          </a:prstGeom>
+        </p:spPr>
+      </p:pic>
     </p:spTree>
     <p:extLst>
       <p:ext uri="{BB962C8B-B14F-4D97-AF65-F5344CB8AC3E}">
@@ -4403,31 +4484,38 @@
           </a:p>
         </p:txBody>
       </p:sp>
-      <p:sp>
-        <p:nvSpPr>
-          <p:cNvPr id="3" name="内容占位符 2">
-            <a:extLst>
-              <a:ext uri="{FF2B5EF4-FFF2-40B4-BE49-F238E27FC236}">
-                <a16:creationId xmlns:a16="http://schemas.microsoft.com/office/drawing/2014/main" id="{73323B93-5DE4-464B-9020-3229CE24A00D}"/>
-              </a:ext>
-            </a:extLst>
-          </p:cNvPr>
-          <p:cNvSpPr>
-            <a:spLocks noGrp="1"/>
-          </p:cNvSpPr>
+      <p:pic>
+        <p:nvPicPr>
+          <p:cNvPr id="4" name="内容占位符 3">
+            <a:extLst>
+              <a:ext uri="{FF2B5EF4-FFF2-40B4-BE49-F238E27FC236}">
+                <a16:creationId xmlns:a16="http://schemas.microsoft.com/office/drawing/2014/main" id="{AF2322B5-CBE8-0447-899E-2CAC98F41A6B}"/>
+              </a:ext>
+            </a:extLst>
+          </p:cNvPr>
+          <p:cNvPicPr>
+            <a:picLocks noGrp="1" noChangeAspect="1"/>
+          </p:cNvPicPr>
           <p:nvPr>
             <p:ph idx="1"/>
           </p:nvPr>
-        </p:nvSpPr>
-        <p:spPr/>
-        <p:txBody>
-          <a:bodyPr/>
-          <a:lstStyle/>
-          <a:p>
-            <a:endParaRPr kumimoji="1" lang="zh-CN" altLang="en-US"/>
-          </a:p>
-        </p:txBody>
-      </p:sp>
+        </p:nvPicPr>
+        <p:blipFill>
+          <a:blip r:embed="rId2"/>
+          <a:stretch>
+            <a:fillRect/>
+          </a:stretch>
+        </p:blipFill>
+        <p:spPr>
+          <a:xfrm>
+            <a:off x="2963993" y="1825625"/>
+            <a:ext cx="6264014" cy="4351338"/>
+          </a:xfrm>
+          <a:prstGeom prst="rect">
+            <a:avLst/>
+          </a:prstGeom>
+        </p:spPr>
+      </p:pic>
     </p:spTree>
     <p:extLst>
       <p:ext uri="{BB962C8B-B14F-4D97-AF65-F5344CB8AC3E}">
@@ -4489,31 +4577,68 @@
           </a:p>
         </p:txBody>
       </p:sp>
-      <p:sp>
-        <p:nvSpPr>
-          <p:cNvPr id="3" name="内容占位符 2">
-            <a:extLst>
-              <a:ext uri="{FF2B5EF4-FFF2-40B4-BE49-F238E27FC236}">
-                <a16:creationId xmlns:a16="http://schemas.microsoft.com/office/drawing/2014/main" id="{9C2C4DF1-2235-3A48-B793-C39CD8567B75}"/>
-              </a:ext>
-            </a:extLst>
-          </p:cNvPr>
-          <p:cNvSpPr>
-            <a:spLocks noGrp="1"/>
-          </p:cNvSpPr>
+      <p:pic>
+        <p:nvPicPr>
+          <p:cNvPr id="4" name="内容占位符 3">
+            <a:extLst>
+              <a:ext uri="{FF2B5EF4-FFF2-40B4-BE49-F238E27FC236}">
+                <a16:creationId xmlns:a16="http://schemas.microsoft.com/office/drawing/2014/main" id="{FA39C315-D83F-0943-B4DD-224FE6E5A9F4}"/>
+              </a:ext>
+            </a:extLst>
+          </p:cNvPr>
+          <p:cNvPicPr>
+            <a:picLocks noGrp="1" noChangeAspect="1"/>
+          </p:cNvPicPr>
           <p:nvPr>
             <p:ph idx="1"/>
           </p:nvPr>
-        </p:nvSpPr>
-        <p:spPr/>
-        <p:txBody>
-          <a:bodyPr/>
-          <a:lstStyle/>
-          <a:p>
-            <a:endParaRPr kumimoji="1" lang="zh-CN" altLang="en-US"/>
-          </a:p>
-        </p:txBody>
-      </p:sp>
+        </p:nvPicPr>
+        <p:blipFill>
+          <a:blip r:embed="rId2"/>
+          <a:stretch>
+            <a:fillRect/>
+          </a:stretch>
+        </p:blipFill>
+        <p:spPr>
+          <a:xfrm>
+            <a:off x="211476" y="3429000"/>
+            <a:ext cx="8333690" cy="3160757"/>
+          </a:xfrm>
+          <a:prstGeom prst="rect">
+            <a:avLst/>
+          </a:prstGeom>
+        </p:spPr>
+      </p:pic>
+      <p:pic>
+        <p:nvPicPr>
+          <p:cNvPr id="5" name="图片 4">
+            <a:extLst>
+              <a:ext uri="{FF2B5EF4-FFF2-40B4-BE49-F238E27FC236}">
+                <a16:creationId xmlns:a16="http://schemas.microsoft.com/office/drawing/2014/main" id="{7B7D8494-E124-6946-B2E6-9E30732A50D1}"/>
+              </a:ext>
+            </a:extLst>
+          </p:cNvPr>
+          <p:cNvPicPr>
+            <a:picLocks noChangeAspect="1"/>
+          </p:cNvPicPr>
+          <p:nvPr/>
+        </p:nvPicPr>
+        <p:blipFill>
+          <a:blip r:embed="rId3"/>
+          <a:stretch>
+            <a:fillRect/>
+          </a:stretch>
+        </p:blipFill>
+        <p:spPr>
+          <a:xfrm>
+            <a:off x="4828782" y="1198224"/>
+            <a:ext cx="6007100" cy="3886200"/>
+          </a:xfrm>
+          <a:prstGeom prst="rect">
+            <a:avLst/>
+          </a:prstGeom>
+        </p:spPr>
+      </p:pic>
     </p:spTree>
     <p:extLst>
       <p:ext uri="{BB962C8B-B14F-4D97-AF65-F5344CB8AC3E}">
